--- a/assets/Presentación1.pptx
+++ b/assets/Presentación1.pptx
@@ -6,10 +6,11 @@
   </p:sldMasterIdLst>
   <p:sldIdLst>
     <p:sldId id="256" r:id="rId2"/>
-    <p:sldId id="257" r:id="rId3"/>
-    <p:sldId id="258" r:id="rId4"/>
-    <p:sldId id="259" r:id="rId5"/>
-    <p:sldId id="260" r:id="rId6"/>
+    <p:sldId id="261" r:id="rId3"/>
+    <p:sldId id="262" r:id="rId4"/>
+    <p:sldId id="258" r:id="rId5"/>
+    <p:sldId id="259" r:id="rId6"/>
+    <p:sldId id="260" r:id="rId7"/>
   </p:sldIdLst>
   <p:sldSz cx="12192000" cy="6858000"/>
   <p:notesSz cx="6858000" cy="9144000"/>
@@ -108,6 +109,11 @@
       </a:defRPr>
     </a:lvl9pPr>
   </p:defaultTextStyle>
+  <p:extLst>
+    <p:ext uri="{EFAFB233-063F-42B5-8137-9DF3F51BA10A}">
+      <p15:sldGuideLst xmlns:p15="http://schemas.microsoft.com/office/powerpoint/2012/main"/>
+    </p:ext>
+  </p:extLst>
 </p:presentation>
 </file>
 
@@ -260,7 +266,7 @@
           <a:p>
             <a:fld id="{AE20BA06-9D09-44A8-A83F-45FF1E3F0CB3}" type="datetimeFigureOut">
               <a:rPr lang="es-MX" smtClean="0"/>
-              <a:t>11/02/2022</a:t>
+              <a:t>13/02/2022</a:t>
             </a:fld>
             <a:endParaRPr lang="es-MX"/>
           </a:p>
@@ -460,7 +466,7 @@
           <a:p>
             <a:fld id="{AE20BA06-9D09-44A8-A83F-45FF1E3F0CB3}" type="datetimeFigureOut">
               <a:rPr lang="es-MX" smtClean="0"/>
-              <a:t>11/02/2022</a:t>
+              <a:t>13/02/2022</a:t>
             </a:fld>
             <a:endParaRPr lang="es-MX"/>
           </a:p>
@@ -670,7 +676,7 @@
           <a:p>
             <a:fld id="{AE20BA06-9D09-44A8-A83F-45FF1E3F0CB3}" type="datetimeFigureOut">
               <a:rPr lang="es-MX" smtClean="0"/>
-              <a:t>11/02/2022</a:t>
+              <a:t>13/02/2022</a:t>
             </a:fld>
             <a:endParaRPr lang="es-MX"/>
           </a:p>
@@ -870,7 +876,7 @@
           <a:p>
             <a:fld id="{AE20BA06-9D09-44A8-A83F-45FF1E3F0CB3}" type="datetimeFigureOut">
               <a:rPr lang="es-MX" smtClean="0"/>
-              <a:t>11/02/2022</a:t>
+              <a:t>13/02/2022</a:t>
             </a:fld>
             <a:endParaRPr lang="es-MX"/>
           </a:p>
@@ -1146,7 +1152,7 @@
           <a:p>
             <a:fld id="{AE20BA06-9D09-44A8-A83F-45FF1E3F0CB3}" type="datetimeFigureOut">
               <a:rPr lang="es-MX" smtClean="0"/>
-              <a:t>11/02/2022</a:t>
+              <a:t>13/02/2022</a:t>
             </a:fld>
             <a:endParaRPr lang="es-MX"/>
           </a:p>
@@ -1414,7 +1420,7 @@
           <a:p>
             <a:fld id="{AE20BA06-9D09-44A8-A83F-45FF1E3F0CB3}" type="datetimeFigureOut">
               <a:rPr lang="es-MX" smtClean="0"/>
-              <a:t>11/02/2022</a:t>
+              <a:t>13/02/2022</a:t>
             </a:fld>
             <a:endParaRPr lang="es-MX"/>
           </a:p>
@@ -1829,7 +1835,7 @@
           <a:p>
             <a:fld id="{AE20BA06-9D09-44A8-A83F-45FF1E3F0CB3}" type="datetimeFigureOut">
               <a:rPr lang="es-MX" smtClean="0"/>
-              <a:t>11/02/2022</a:t>
+              <a:t>13/02/2022</a:t>
             </a:fld>
             <a:endParaRPr lang="es-MX"/>
           </a:p>
@@ -1971,7 +1977,7 @@
           <a:p>
             <a:fld id="{AE20BA06-9D09-44A8-A83F-45FF1E3F0CB3}" type="datetimeFigureOut">
               <a:rPr lang="es-MX" smtClean="0"/>
-              <a:t>11/02/2022</a:t>
+              <a:t>13/02/2022</a:t>
             </a:fld>
             <a:endParaRPr lang="es-MX"/>
           </a:p>
@@ -2084,7 +2090,7 @@
           <a:p>
             <a:fld id="{AE20BA06-9D09-44A8-A83F-45FF1E3F0CB3}" type="datetimeFigureOut">
               <a:rPr lang="es-MX" smtClean="0"/>
-              <a:t>11/02/2022</a:t>
+              <a:t>13/02/2022</a:t>
             </a:fld>
             <a:endParaRPr lang="es-MX"/>
           </a:p>
@@ -2397,7 +2403,7 @@
           <a:p>
             <a:fld id="{AE20BA06-9D09-44A8-A83F-45FF1E3F0CB3}" type="datetimeFigureOut">
               <a:rPr lang="es-MX" smtClean="0"/>
-              <a:t>11/02/2022</a:t>
+              <a:t>13/02/2022</a:t>
             </a:fld>
             <a:endParaRPr lang="es-MX"/>
           </a:p>
@@ -2686,7 +2692,7 @@
           <a:p>
             <a:fld id="{AE20BA06-9D09-44A8-A83F-45FF1E3F0CB3}" type="datetimeFigureOut">
               <a:rPr lang="es-MX" smtClean="0"/>
-              <a:t>11/02/2022</a:t>
+              <a:t>13/02/2022</a:t>
             </a:fld>
             <a:endParaRPr lang="es-MX"/>
           </a:p>
@@ -2929,7 +2935,7 @@
           <a:p>
             <a:fld id="{AE20BA06-9D09-44A8-A83F-45FF1E3F0CB3}" type="datetimeFigureOut">
               <a:rPr lang="es-MX" smtClean="0"/>
-              <a:t>11/02/2022</a:t>
+              <a:t>13/02/2022</a:t>
             </a:fld>
             <a:endParaRPr lang="es-MX"/>
           </a:p>
@@ -3346,12 +3352,1405 @@
           <a:chExt cx="0" cy="0"/>
         </a:xfrm>
       </p:grpSpPr>
+      <p:sp>
+        <p:nvSpPr>
+          <p:cNvPr id="16" name="Triángulo isósceles 15">
+            <a:extLst>
+              <a:ext uri="{FF2B5EF4-FFF2-40B4-BE49-F238E27FC236}">
+                <a16:creationId xmlns:a16="http://schemas.microsoft.com/office/drawing/2014/main" id="{ABDF3C8D-64D1-4AFA-BDE2-A6B98DDB1D43}"/>
+              </a:ext>
+            </a:extLst>
+          </p:cNvPr>
+          <p:cNvSpPr>
+            <a:spLocks/>
+          </p:cNvSpPr>
+          <p:nvPr/>
+        </p:nvSpPr>
+        <p:spPr>
+          <a:xfrm rot="16200000">
+            <a:off x="2851274" y="567492"/>
+            <a:ext cx="5992427" cy="5723015"/>
+          </a:xfrm>
+          <a:prstGeom prst="triangle">
+            <a:avLst>
+              <a:gd name="adj" fmla="val 0"/>
+            </a:avLst>
+          </a:prstGeom>
+          <a:solidFill>
+            <a:schemeClr val="accent4">
+              <a:lumMod val="60000"/>
+              <a:lumOff val="40000"/>
+            </a:schemeClr>
+          </a:solidFill>
+          <a:ln>
+            <a:noFill/>
+          </a:ln>
+        </p:spPr>
+        <p:style>
+          <a:lnRef idx="2">
+            <a:schemeClr val="accent1">
+              <a:shade val="50000"/>
+            </a:schemeClr>
+          </a:lnRef>
+          <a:fillRef idx="1">
+            <a:schemeClr val="accent1"/>
+          </a:fillRef>
+          <a:effectRef idx="0">
+            <a:schemeClr val="accent1"/>
+          </a:effectRef>
+          <a:fontRef idx="minor">
+            <a:schemeClr val="lt1"/>
+          </a:fontRef>
+        </p:style>
+        <p:txBody>
+          <a:bodyPr rtlCol="0" anchor="ctr"/>
+          <a:lstStyle/>
+          <a:p>
+            <a:pPr algn="ctr"/>
+            <a:endParaRPr lang="es-MX"/>
+          </a:p>
+        </p:txBody>
+      </p:sp>
+      <p:sp>
+        <p:nvSpPr>
+          <p:cNvPr id="12" name="Triángulo isósceles 11">
+            <a:extLst>
+              <a:ext uri="{FF2B5EF4-FFF2-40B4-BE49-F238E27FC236}">
+                <a16:creationId xmlns:a16="http://schemas.microsoft.com/office/drawing/2014/main" id="{3153EE08-CF3C-42CC-91CB-2A5E727DA410}"/>
+              </a:ext>
+            </a:extLst>
+          </p:cNvPr>
+          <p:cNvSpPr>
+            <a:spLocks/>
+          </p:cNvSpPr>
+          <p:nvPr/>
+        </p:nvSpPr>
+        <p:spPr>
+          <a:xfrm>
+            <a:off x="2985980" y="406153"/>
+            <a:ext cx="5723015" cy="5992427"/>
+          </a:xfrm>
+          <a:prstGeom prst="triangle">
+            <a:avLst>
+              <a:gd name="adj" fmla="val 0"/>
+            </a:avLst>
+          </a:prstGeom>
+          <a:solidFill>
+            <a:srgbClr val="BF9000"/>
+          </a:solidFill>
+          <a:ln>
+            <a:noFill/>
+          </a:ln>
+        </p:spPr>
+        <p:style>
+          <a:lnRef idx="2">
+            <a:schemeClr val="accent1">
+              <a:shade val="50000"/>
+            </a:schemeClr>
+          </a:lnRef>
+          <a:fillRef idx="1">
+            <a:schemeClr val="accent1"/>
+          </a:fillRef>
+          <a:effectRef idx="0">
+            <a:schemeClr val="accent1"/>
+          </a:effectRef>
+          <a:fontRef idx="minor">
+            <a:schemeClr val="lt1"/>
+          </a:fontRef>
+        </p:style>
+        <p:txBody>
+          <a:bodyPr rtlCol="0" anchor="ctr"/>
+          <a:lstStyle/>
+          <a:p>
+            <a:pPr algn="ctr"/>
+            <a:endParaRPr lang="es-MX" dirty="0"/>
+          </a:p>
+        </p:txBody>
+      </p:sp>
+      <p:sp>
+        <p:nvSpPr>
+          <p:cNvPr id="14" name="Triángulo isósceles 13">
+            <a:extLst>
+              <a:ext uri="{FF2B5EF4-FFF2-40B4-BE49-F238E27FC236}">
+                <a16:creationId xmlns:a16="http://schemas.microsoft.com/office/drawing/2014/main" id="{32EAB9D9-9ABB-4217-85E1-3D15FB8DD198}"/>
+              </a:ext>
+            </a:extLst>
+          </p:cNvPr>
+          <p:cNvSpPr>
+            <a:spLocks noChangeAspect="1"/>
+          </p:cNvSpPr>
+          <p:nvPr/>
+        </p:nvSpPr>
+        <p:spPr>
+          <a:xfrm>
+            <a:off x="4119777" y="3277614"/>
+            <a:ext cx="2052358" cy="2148973"/>
+          </a:xfrm>
+          <a:prstGeom prst="triangle">
+            <a:avLst>
+              <a:gd name="adj" fmla="val 0"/>
+            </a:avLst>
+          </a:prstGeom>
+          <a:solidFill>
+            <a:schemeClr val="bg1"/>
+          </a:solidFill>
+          <a:ln>
+            <a:noFill/>
+          </a:ln>
+        </p:spPr>
+        <p:style>
+          <a:lnRef idx="2">
+            <a:schemeClr val="accent1">
+              <a:shade val="50000"/>
+            </a:schemeClr>
+          </a:lnRef>
+          <a:fillRef idx="1">
+            <a:schemeClr val="accent1"/>
+          </a:fillRef>
+          <a:effectRef idx="0">
+            <a:schemeClr val="accent1"/>
+          </a:effectRef>
+          <a:fontRef idx="minor">
+            <a:schemeClr val="lt1"/>
+          </a:fontRef>
+        </p:style>
+        <p:txBody>
+          <a:bodyPr rtlCol="0" anchor="ctr"/>
+          <a:lstStyle/>
+          <a:p>
+            <a:pPr algn="ctr"/>
+            <a:endParaRPr lang="es-MX"/>
+          </a:p>
+        </p:txBody>
+      </p:sp>
+    </p:spTree>
+    <p:extLst>
+      <p:ext uri="{BB962C8B-B14F-4D97-AF65-F5344CB8AC3E}">
+        <p14:creationId xmlns:p14="http://schemas.microsoft.com/office/powerpoint/2010/main" val="229981741"/>
+      </p:ext>
+    </p:extLst>
+  </p:cSld>
+  <p:clrMapOvr>
+    <a:masterClrMapping/>
+  </p:clrMapOvr>
+</p:sld>
+</file>
+
+<file path=ppt/slides/slide2.xml><?xml version="1.0" encoding="utf-8"?>
+<p:sld xmlns:a="http://schemas.openxmlformats.org/drawingml/2006/main" xmlns:r="http://schemas.openxmlformats.org/officeDocument/2006/relationships" xmlns:p="http://schemas.openxmlformats.org/presentationml/2006/main">
+  <p:cSld>
+    <p:bg>
+      <p:bgPr>
+        <a:solidFill>
+          <a:schemeClr val="bg1"/>
+        </a:solidFill>
+        <a:effectLst/>
+      </p:bgPr>
+    </p:bg>
+    <p:spTree>
+      <p:nvGrpSpPr>
+        <p:cNvPr id="1" name=""/>
+        <p:cNvGrpSpPr/>
+        <p:nvPr/>
+      </p:nvGrpSpPr>
+      <p:grpSpPr>
+        <a:xfrm>
+          <a:off x="0" y="0"/>
+          <a:ext cx="0" cy="0"/>
+          <a:chOff x="0" y="0"/>
+          <a:chExt cx="0" cy="0"/>
+        </a:xfrm>
+      </p:grpSpPr>
+      <p:sp>
+        <p:nvSpPr>
+          <p:cNvPr id="8" name="Rectángulo 7">
+            <a:extLst>
+              <a:ext uri="{FF2B5EF4-FFF2-40B4-BE49-F238E27FC236}">
+                <a16:creationId xmlns:a16="http://schemas.microsoft.com/office/drawing/2014/main" id="{CFD04F7D-66BA-4356-9A6D-6B3B11D2EE63}"/>
+              </a:ext>
+            </a:extLst>
+          </p:cNvPr>
+          <p:cNvSpPr/>
+          <p:nvPr/>
+        </p:nvSpPr>
+        <p:spPr>
+          <a:xfrm>
+            <a:off x="3279103" y="719367"/>
+            <a:ext cx="5633793" cy="5419265"/>
+          </a:xfrm>
+          <a:prstGeom prst="rect">
+            <a:avLst/>
+          </a:prstGeom>
+          <a:solidFill>
+            <a:schemeClr val="bg1"/>
+          </a:solidFill>
+          <a:ln w="41275">
+            <a:solidFill>
+              <a:schemeClr val="accent4">
+                <a:lumMod val="60000"/>
+                <a:lumOff val="40000"/>
+              </a:schemeClr>
+            </a:solidFill>
+          </a:ln>
+        </p:spPr>
+        <p:style>
+          <a:lnRef idx="2">
+            <a:schemeClr val="accent1">
+              <a:shade val="50000"/>
+            </a:schemeClr>
+          </a:lnRef>
+          <a:fillRef idx="1">
+            <a:schemeClr val="accent1"/>
+          </a:fillRef>
+          <a:effectRef idx="0">
+            <a:schemeClr val="accent1"/>
+          </a:effectRef>
+          <a:fontRef idx="minor">
+            <a:schemeClr val="lt1"/>
+          </a:fontRef>
+        </p:style>
+        <p:txBody>
+          <a:bodyPr rtlCol="0" anchor="ctr"/>
+          <a:lstStyle/>
+          <a:p>
+            <a:pPr algn="ctr"/>
+            <a:endParaRPr lang="es-MX"/>
+          </a:p>
+        </p:txBody>
+      </p:sp>
+      <p:sp>
+        <p:nvSpPr>
+          <p:cNvPr id="10" name="Triángulo isósceles 9">
+            <a:extLst>
+              <a:ext uri="{FF2B5EF4-FFF2-40B4-BE49-F238E27FC236}">
+                <a16:creationId xmlns:a16="http://schemas.microsoft.com/office/drawing/2014/main" id="{0CE0475E-25A5-4292-93D5-F0319711F0F9}"/>
+              </a:ext>
+            </a:extLst>
+          </p:cNvPr>
+          <p:cNvSpPr>
+            <a:spLocks/>
+          </p:cNvSpPr>
+          <p:nvPr/>
+        </p:nvSpPr>
+        <p:spPr>
+          <a:xfrm rot="16200000">
+            <a:off x="4057862" y="1316126"/>
+            <a:ext cx="4140000" cy="4140000"/>
+          </a:xfrm>
+          <a:prstGeom prst="triangle">
+            <a:avLst>
+              <a:gd name="adj" fmla="val 0"/>
+            </a:avLst>
+          </a:prstGeom>
+          <a:solidFill>
+            <a:schemeClr val="accent4">
+              <a:lumMod val="60000"/>
+              <a:lumOff val="40000"/>
+            </a:schemeClr>
+          </a:solidFill>
+          <a:ln>
+            <a:noFill/>
+          </a:ln>
+        </p:spPr>
+        <p:style>
+          <a:lnRef idx="2">
+            <a:schemeClr val="accent1">
+              <a:shade val="50000"/>
+            </a:schemeClr>
+          </a:lnRef>
+          <a:fillRef idx="1">
+            <a:schemeClr val="accent1"/>
+          </a:fillRef>
+          <a:effectRef idx="0">
+            <a:schemeClr val="accent1"/>
+          </a:effectRef>
+          <a:fontRef idx="minor">
+            <a:schemeClr val="lt1"/>
+          </a:fontRef>
+        </p:style>
+        <p:txBody>
+          <a:bodyPr rtlCol="0" anchor="ctr"/>
+          <a:lstStyle/>
+          <a:p>
+            <a:pPr algn="ctr"/>
+            <a:endParaRPr lang="es-MX"/>
+          </a:p>
+        </p:txBody>
+      </p:sp>
+      <p:sp>
+        <p:nvSpPr>
+          <p:cNvPr id="11" name="Triángulo isósceles 10">
+            <a:extLst>
+              <a:ext uri="{FF2B5EF4-FFF2-40B4-BE49-F238E27FC236}">
+                <a16:creationId xmlns:a16="http://schemas.microsoft.com/office/drawing/2014/main" id="{EC048DEA-8FEB-4986-BF12-DCB702E017CE}"/>
+              </a:ext>
+            </a:extLst>
+          </p:cNvPr>
+          <p:cNvSpPr>
+            <a:spLocks/>
+          </p:cNvSpPr>
+          <p:nvPr/>
+        </p:nvSpPr>
+        <p:spPr>
+          <a:xfrm>
+            <a:off x="4057862" y="1316126"/>
+            <a:ext cx="4140000" cy="4140000"/>
+          </a:xfrm>
+          <a:prstGeom prst="triangle">
+            <a:avLst>
+              <a:gd name="adj" fmla="val 0"/>
+            </a:avLst>
+          </a:prstGeom>
+          <a:solidFill>
+            <a:srgbClr val="BF9000"/>
+          </a:solidFill>
+          <a:ln>
+            <a:noFill/>
+          </a:ln>
+        </p:spPr>
+        <p:style>
+          <a:lnRef idx="2">
+            <a:schemeClr val="accent1">
+              <a:shade val="50000"/>
+            </a:schemeClr>
+          </a:lnRef>
+          <a:fillRef idx="1">
+            <a:schemeClr val="accent1"/>
+          </a:fillRef>
+          <a:effectRef idx="0">
+            <a:schemeClr val="accent1"/>
+          </a:effectRef>
+          <a:fontRef idx="minor">
+            <a:schemeClr val="lt1"/>
+          </a:fontRef>
+        </p:style>
+        <p:txBody>
+          <a:bodyPr rtlCol="0" anchor="ctr"/>
+          <a:lstStyle/>
+          <a:p>
+            <a:pPr algn="ctr"/>
+            <a:endParaRPr lang="es-MX"/>
+          </a:p>
+        </p:txBody>
+      </p:sp>
+      <p:sp>
+        <p:nvSpPr>
+          <p:cNvPr id="12" name="Triángulo isósceles 11">
+            <a:extLst>
+              <a:ext uri="{FF2B5EF4-FFF2-40B4-BE49-F238E27FC236}">
+                <a16:creationId xmlns:a16="http://schemas.microsoft.com/office/drawing/2014/main" id="{876C87BA-EDC5-496C-BC2B-7F31E1189A26}"/>
+              </a:ext>
+            </a:extLst>
+          </p:cNvPr>
+          <p:cNvSpPr>
+            <a:spLocks noChangeAspect="1"/>
+          </p:cNvSpPr>
+          <p:nvPr/>
+        </p:nvSpPr>
+        <p:spPr>
+          <a:xfrm>
+            <a:off x="4878045" y="3281538"/>
+            <a:ext cx="1484665" cy="1484665"/>
+          </a:xfrm>
+          <a:prstGeom prst="triangle">
+            <a:avLst>
+              <a:gd name="adj" fmla="val 0"/>
+            </a:avLst>
+          </a:prstGeom>
+          <a:solidFill>
+            <a:schemeClr val="bg1"/>
+          </a:solidFill>
+          <a:ln>
+            <a:noFill/>
+          </a:ln>
+        </p:spPr>
+        <p:style>
+          <a:lnRef idx="2">
+            <a:schemeClr val="accent1">
+              <a:shade val="50000"/>
+            </a:schemeClr>
+          </a:lnRef>
+          <a:fillRef idx="1">
+            <a:schemeClr val="accent1"/>
+          </a:fillRef>
+          <a:effectRef idx="0">
+            <a:schemeClr val="accent1"/>
+          </a:effectRef>
+          <a:fontRef idx="minor">
+            <a:schemeClr val="lt1"/>
+          </a:fontRef>
+        </p:style>
+        <p:txBody>
+          <a:bodyPr rtlCol="0" anchor="ctr"/>
+          <a:lstStyle/>
+          <a:p>
+            <a:pPr algn="ctr"/>
+            <a:endParaRPr lang="es-MX"/>
+          </a:p>
+        </p:txBody>
+      </p:sp>
+    </p:spTree>
+    <p:extLst>
+      <p:ext uri="{BB962C8B-B14F-4D97-AF65-F5344CB8AC3E}">
+        <p14:creationId xmlns:p14="http://schemas.microsoft.com/office/powerpoint/2010/main" val="3318645361"/>
+      </p:ext>
+    </p:extLst>
+  </p:cSld>
+  <p:clrMapOvr>
+    <a:masterClrMapping/>
+  </p:clrMapOvr>
+</p:sld>
+</file>
+
+<file path=ppt/slides/slide3.xml><?xml version="1.0" encoding="utf-8"?>
+<p:sld xmlns:a="http://schemas.openxmlformats.org/drawingml/2006/main" xmlns:r="http://schemas.openxmlformats.org/officeDocument/2006/relationships" xmlns:p="http://schemas.openxmlformats.org/presentationml/2006/main">
+  <p:cSld>
+    <p:bg>
+      <p:bgPr>
+        <a:solidFill>
+          <a:schemeClr val="bg1"/>
+        </a:solidFill>
+        <a:effectLst/>
+      </p:bgPr>
+    </p:bg>
+    <p:spTree>
+      <p:nvGrpSpPr>
+        <p:cNvPr id="1" name=""/>
+        <p:cNvGrpSpPr/>
+        <p:nvPr/>
+      </p:nvGrpSpPr>
+      <p:grpSpPr>
+        <a:xfrm>
+          <a:off x="0" y="0"/>
+          <a:ext cx="0" cy="0"/>
+          <a:chOff x="0" y="0"/>
+          <a:chExt cx="0" cy="0"/>
+        </a:xfrm>
+      </p:grpSpPr>
+      <p:sp>
+        <p:nvSpPr>
+          <p:cNvPr id="8" name="Rectángulo 7">
+            <a:extLst>
+              <a:ext uri="{FF2B5EF4-FFF2-40B4-BE49-F238E27FC236}">
+                <a16:creationId xmlns:a16="http://schemas.microsoft.com/office/drawing/2014/main" id="{CFD04F7D-66BA-4356-9A6D-6B3B11D2EE63}"/>
+              </a:ext>
+            </a:extLst>
+          </p:cNvPr>
+          <p:cNvSpPr/>
+          <p:nvPr/>
+        </p:nvSpPr>
+        <p:spPr>
+          <a:xfrm>
+            <a:off x="3279103" y="719367"/>
+            <a:ext cx="5633793" cy="5419265"/>
+          </a:xfrm>
+          <a:prstGeom prst="rect">
+            <a:avLst/>
+          </a:prstGeom>
+          <a:solidFill>
+            <a:schemeClr val="bg1"/>
+          </a:solidFill>
+          <a:ln w="41275">
+            <a:solidFill>
+              <a:schemeClr val="accent4">
+                <a:lumMod val="60000"/>
+                <a:lumOff val="40000"/>
+              </a:schemeClr>
+            </a:solidFill>
+          </a:ln>
+        </p:spPr>
+        <p:style>
+          <a:lnRef idx="2">
+            <a:schemeClr val="accent1">
+              <a:shade val="50000"/>
+            </a:schemeClr>
+          </a:lnRef>
+          <a:fillRef idx="1">
+            <a:schemeClr val="accent1"/>
+          </a:fillRef>
+          <a:effectRef idx="0">
+            <a:schemeClr val="accent1"/>
+          </a:effectRef>
+          <a:fontRef idx="minor">
+            <a:schemeClr val="lt1"/>
+          </a:fontRef>
+        </p:style>
+        <p:txBody>
+          <a:bodyPr rtlCol="0" anchor="ctr"/>
+          <a:lstStyle/>
+          <a:p>
+            <a:pPr algn="ctr"/>
+            <a:endParaRPr lang="es-MX"/>
+          </a:p>
+        </p:txBody>
+      </p:sp>
+      <p:sp>
+        <p:nvSpPr>
+          <p:cNvPr id="10" name="Triángulo isósceles 9">
+            <a:extLst>
+              <a:ext uri="{FF2B5EF4-FFF2-40B4-BE49-F238E27FC236}">
+                <a16:creationId xmlns:a16="http://schemas.microsoft.com/office/drawing/2014/main" id="{0CE0475E-25A5-4292-93D5-F0319711F0F9}"/>
+              </a:ext>
+            </a:extLst>
+          </p:cNvPr>
+          <p:cNvSpPr>
+            <a:spLocks/>
+          </p:cNvSpPr>
+          <p:nvPr/>
+        </p:nvSpPr>
+        <p:spPr>
+          <a:xfrm rot="16200000">
+            <a:off x="4057862" y="1316126"/>
+            <a:ext cx="4140000" cy="4140000"/>
+          </a:xfrm>
+          <a:prstGeom prst="triangle">
+            <a:avLst>
+              <a:gd name="adj" fmla="val 0"/>
+            </a:avLst>
+          </a:prstGeom>
+          <a:solidFill>
+            <a:schemeClr val="accent4">
+              <a:lumMod val="60000"/>
+              <a:lumOff val="40000"/>
+            </a:schemeClr>
+          </a:solidFill>
+          <a:ln>
+            <a:noFill/>
+          </a:ln>
+        </p:spPr>
+        <p:style>
+          <a:lnRef idx="2">
+            <a:schemeClr val="accent1">
+              <a:shade val="50000"/>
+            </a:schemeClr>
+          </a:lnRef>
+          <a:fillRef idx="1">
+            <a:schemeClr val="accent1"/>
+          </a:fillRef>
+          <a:effectRef idx="0">
+            <a:schemeClr val="accent1"/>
+          </a:effectRef>
+          <a:fontRef idx="minor">
+            <a:schemeClr val="lt1"/>
+          </a:fontRef>
+        </p:style>
+        <p:txBody>
+          <a:bodyPr rtlCol="0" anchor="ctr"/>
+          <a:lstStyle/>
+          <a:p>
+            <a:pPr algn="ctr"/>
+            <a:endParaRPr lang="es-MX"/>
+          </a:p>
+        </p:txBody>
+      </p:sp>
+      <p:sp>
+        <p:nvSpPr>
+          <p:cNvPr id="11" name="Triángulo isósceles 10">
+            <a:extLst>
+              <a:ext uri="{FF2B5EF4-FFF2-40B4-BE49-F238E27FC236}">
+                <a16:creationId xmlns:a16="http://schemas.microsoft.com/office/drawing/2014/main" id="{EC048DEA-8FEB-4986-BF12-DCB702E017CE}"/>
+              </a:ext>
+            </a:extLst>
+          </p:cNvPr>
+          <p:cNvSpPr>
+            <a:spLocks/>
+          </p:cNvSpPr>
+          <p:nvPr/>
+        </p:nvSpPr>
+        <p:spPr>
+          <a:xfrm>
+            <a:off x="4057862" y="1316126"/>
+            <a:ext cx="4140000" cy="4140000"/>
+          </a:xfrm>
+          <a:prstGeom prst="triangle">
+            <a:avLst>
+              <a:gd name="adj" fmla="val 0"/>
+            </a:avLst>
+          </a:prstGeom>
+          <a:solidFill>
+            <a:srgbClr val="BF9000"/>
+          </a:solidFill>
+          <a:ln>
+            <a:noFill/>
+          </a:ln>
+        </p:spPr>
+        <p:style>
+          <a:lnRef idx="2">
+            <a:schemeClr val="accent1">
+              <a:shade val="50000"/>
+            </a:schemeClr>
+          </a:lnRef>
+          <a:fillRef idx="1">
+            <a:schemeClr val="accent1"/>
+          </a:fillRef>
+          <a:effectRef idx="0">
+            <a:schemeClr val="accent1"/>
+          </a:effectRef>
+          <a:fontRef idx="minor">
+            <a:schemeClr val="lt1"/>
+          </a:fontRef>
+        </p:style>
+        <p:txBody>
+          <a:bodyPr rtlCol="0" anchor="ctr"/>
+          <a:lstStyle/>
+          <a:p>
+            <a:pPr algn="ctr"/>
+            <a:endParaRPr lang="es-MX"/>
+          </a:p>
+        </p:txBody>
+      </p:sp>
+      <p:sp>
+        <p:nvSpPr>
+          <p:cNvPr id="6" name="Triángulo isósceles 5">
+            <a:extLst>
+              <a:ext uri="{FF2B5EF4-FFF2-40B4-BE49-F238E27FC236}">
+                <a16:creationId xmlns:a16="http://schemas.microsoft.com/office/drawing/2014/main" id="{53431E9B-1247-4C0C-ABEE-23DF4A1F9EBE}"/>
+              </a:ext>
+            </a:extLst>
+          </p:cNvPr>
+          <p:cNvSpPr>
+            <a:spLocks noChangeAspect="1"/>
+          </p:cNvSpPr>
+          <p:nvPr/>
+        </p:nvSpPr>
+        <p:spPr>
+          <a:xfrm>
+            <a:off x="4195139" y="1688841"/>
+            <a:ext cx="3785718" cy="3767285"/>
+          </a:xfrm>
+          <a:prstGeom prst="triangle">
+            <a:avLst>
+              <a:gd name="adj" fmla="val 0"/>
+            </a:avLst>
+          </a:prstGeom>
+          <a:solidFill>
+            <a:schemeClr val="accent4">
+              <a:lumMod val="60000"/>
+              <a:lumOff val="40000"/>
+            </a:schemeClr>
+          </a:solidFill>
+          <a:ln>
+            <a:noFill/>
+          </a:ln>
+        </p:spPr>
+        <p:style>
+          <a:lnRef idx="2">
+            <a:schemeClr val="accent1">
+              <a:shade val="50000"/>
+            </a:schemeClr>
+          </a:lnRef>
+          <a:fillRef idx="1">
+            <a:schemeClr val="accent1"/>
+          </a:fillRef>
+          <a:effectRef idx="0">
+            <a:schemeClr val="accent1"/>
+          </a:effectRef>
+          <a:fontRef idx="minor">
+            <a:schemeClr val="lt1"/>
+          </a:fontRef>
+        </p:style>
+        <p:txBody>
+          <a:bodyPr rtlCol="0" anchor="ctr"/>
+          <a:lstStyle/>
+          <a:p>
+            <a:pPr algn="ctr"/>
+            <a:endParaRPr lang="es-MX"/>
+          </a:p>
+        </p:txBody>
+      </p:sp>
+      <p:sp>
+        <p:nvSpPr>
+          <p:cNvPr id="12" name="Triángulo isósceles 11">
+            <a:extLst>
+              <a:ext uri="{FF2B5EF4-FFF2-40B4-BE49-F238E27FC236}">
+                <a16:creationId xmlns:a16="http://schemas.microsoft.com/office/drawing/2014/main" id="{876C87BA-EDC5-496C-BC2B-7F31E1189A26}"/>
+              </a:ext>
+            </a:extLst>
+          </p:cNvPr>
+          <p:cNvSpPr>
+            <a:spLocks noChangeAspect="1"/>
+          </p:cNvSpPr>
+          <p:nvPr/>
+        </p:nvSpPr>
+        <p:spPr>
+          <a:xfrm>
+            <a:off x="5073992" y="4030824"/>
+            <a:ext cx="1432275" cy="1425301"/>
+          </a:xfrm>
+          <a:prstGeom prst="triangle">
+            <a:avLst>
+              <a:gd name="adj" fmla="val 0"/>
+            </a:avLst>
+          </a:prstGeom>
+          <a:solidFill>
+            <a:schemeClr val="bg1"/>
+          </a:solidFill>
+          <a:ln>
+            <a:noFill/>
+          </a:ln>
+        </p:spPr>
+        <p:style>
+          <a:lnRef idx="2">
+            <a:schemeClr val="accent1">
+              <a:shade val="50000"/>
+            </a:schemeClr>
+          </a:lnRef>
+          <a:fillRef idx="1">
+            <a:schemeClr val="accent1"/>
+          </a:fillRef>
+          <a:effectRef idx="0">
+            <a:schemeClr val="accent1"/>
+          </a:effectRef>
+          <a:fontRef idx="minor">
+            <a:schemeClr val="lt1"/>
+          </a:fontRef>
+        </p:style>
+        <p:txBody>
+          <a:bodyPr rtlCol="0" anchor="ctr"/>
+          <a:lstStyle/>
+          <a:p>
+            <a:pPr algn="ctr"/>
+            <a:endParaRPr lang="es-MX"/>
+          </a:p>
+        </p:txBody>
+      </p:sp>
+      <p:sp>
+        <p:nvSpPr>
+          <p:cNvPr id="2" name="Trapecio 1">
+            <a:extLst>
+              <a:ext uri="{FF2B5EF4-FFF2-40B4-BE49-F238E27FC236}">
+                <a16:creationId xmlns:a16="http://schemas.microsoft.com/office/drawing/2014/main" id="{93611756-E3F5-49D0-AB16-C33F0D76F263}"/>
+              </a:ext>
+            </a:extLst>
+          </p:cNvPr>
+          <p:cNvSpPr/>
+          <p:nvPr/>
+        </p:nvSpPr>
+        <p:spPr>
+          <a:xfrm rot="16200000">
+            <a:off x="5076933" y="2339858"/>
+            <a:ext cx="4140001" cy="2101862"/>
+          </a:xfrm>
+          <a:prstGeom prst="trapezoid">
+            <a:avLst>
+              <a:gd name="adj" fmla="val 100308"/>
+            </a:avLst>
+          </a:prstGeom>
+          <a:solidFill>
+            <a:srgbClr val="BF9000"/>
+          </a:solidFill>
+          <a:ln>
+            <a:noFill/>
+          </a:ln>
+        </p:spPr>
+        <p:style>
+          <a:lnRef idx="2">
+            <a:schemeClr val="accent1">
+              <a:shade val="50000"/>
+            </a:schemeClr>
+          </a:lnRef>
+          <a:fillRef idx="1">
+            <a:schemeClr val="accent1"/>
+          </a:fillRef>
+          <a:effectRef idx="0">
+            <a:schemeClr val="accent1"/>
+          </a:effectRef>
+          <a:fontRef idx="minor">
+            <a:schemeClr val="lt1"/>
+          </a:fontRef>
+        </p:style>
+        <p:txBody>
+          <a:bodyPr rtlCol="0" anchor="ctr"/>
+          <a:lstStyle/>
+          <a:p>
+            <a:pPr algn="ctr"/>
+            <a:endParaRPr lang="es-MX"/>
+          </a:p>
+        </p:txBody>
+      </p:sp>
+      <p:sp>
+        <p:nvSpPr>
+          <p:cNvPr id="9" name="Trapecio 8">
+            <a:extLst>
+              <a:ext uri="{FF2B5EF4-FFF2-40B4-BE49-F238E27FC236}">
+                <a16:creationId xmlns:a16="http://schemas.microsoft.com/office/drawing/2014/main" id="{920EC249-9EF3-40E3-A542-096A1CCB41BB}"/>
+              </a:ext>
+            </a:extLst>
+          </p:cNvPr>
+          <p:cNvSpPr/>
+          <p:nvPr/>
+        </p:nvSpPr>
+        <p:spPr>
+          <a:xfrm rot="16200000">
+            <a:off x="5629230" y="3157312"/>
+            <a:ext cx="3804615" cy="955184"/>
+          </a:xfrm>
+          <a:prstGeom prst="trapezoid">
+            <a:avLst>
+              <a:gd name="adj" fmla="val 100308"/>
+            </a:avLst>
+          </a:prstGeom>
+          <a:solidFill>
+            <a:schemeClr val="accent4">
+              <a:lumMod val="60000"/>
+              <a:lumOff val="40000"/>
+            </a:schemeClr>
+          </a:solidFill>
+          <a:ln>
+            <a:noFill/>
+          </a:ln>
+        </p:spPr>
+        <p:style>
+          <a:lnRef idx="2">
+            <a:schemeClr val="accent1">
+              <a:shade val="50000"/>
+            </a:schemeClr>
+          </a:lnRef>
+          <a:fillRef idx="1">
+            <a:schemeClr val="accent1"/>
+          </a:fillRef>
+          <a:effectRef idx="0">
+            <a:schemeClr val="accent1"/>
+          </a:effectRef>
+          <a:fontRef idx="minor">
+            <a:schemeClr val="lt1"/>
+          </a:fontRef>
+        </p:style>
+        <p:txBody>
+          <a:bodyPr rtlCol="0" anchor="ctr"/>
+          <a:lstStyle/>
+          <a:p>
+            <a:pPr algn="ctr"/>
+            <a:endParaRPr lang="es-MX"/>
+          </a:p>
+        </p:txBody>
+      </p:sp>
+      <p:sp>
+        <p:nvSpPr>
+          <p:cNvPr id="13" name="Trapecio 12">
+            <a:extLst>
+              <a:ext uri="{FF2B5EF4-FFF2-40B4-BE49-F238E27FC236}">
+                <a16:creationId xmlns:a16="http://schemas.microsoft.com/office/drawing/2014/main" id="{469D88F3-5874-4855-A4C6-C789C9E35B74}"/>
+              </a:ext>
+            </a:extLst>
+          </p:cNvPr>
+          <p:cNvSpPr/>
+          <p:nvPr/>
+        </p:nvSpPr>
+        <p:spPr>
+          <a:xfrm rot="13520197">
+            <a:off x="3566788" y="2348654"/>
+            <a:ext cx="2976255" cy="150244"/>
+          </a:xfrm>
+          <a:prstGeom prst="trapezoid">
+            <a:avLst>
+              <a:gd name="adj" fmla="val 100308"/>
+            </a:avLst>
+          </a:prstGeom>
+          <a:solidFill>
+            <a:schemeClr val="tx1"/>
+          </a:solidFill>
+          <a:ln>
+            <a:noFill/>
+          </a:ln>
+        </p:spPr>
+        <p:style>
+          <a:lnRef idx="2">
+            <a:schemeClr val="accent1">
+              <a:shade val="50000"/>
+            </a:schemeClr>
+          </a:lnRef>
+          <a:fillRef idx="1">
+            <a:schemeClr val="accent1"/>
+          </a:fillRef>
+          <a:effectRef idx="0">
+            <a:schemeClr val="accent1"/>
+          </a:effectRef>
+          <a:fontRef idx="minor">
+            <a:schemeClr val="lt1"/>
+          </a:fontRef>
+        </p:style>
+        <p:txBody>
+          <a:bodyPr rtlCol="0" anchor="ctr"/>
+          <a:lstStyle/>
+          <a:p>
+            <a:pPr algn="ctr"/>
+            <a:endParaRPr lang="es-MX"/>
+          </a:p>
+        </p:txBody>
+      </p:sp>
+      <p:sp>
+        <p:nvSpPr>
+          <p:cNvPr id="14" name="Trapecio 13">
+            <a:extLst>
+              <a:ext uri="{FF2B5EF4-FFF2-40B4-BE49-F238E27FC236}">
+                <a16:creationId xmlns:a16="http://schemas.microsoft.com/office/drawing/2014/main" id="{E2BED727-1681-4AA4-815F-EEF4511569A4}"/>
+              </a:ext>
+            </a:extLst>
+          </p:cNvPr>
+          <p:cNvSpPr/>
+          <p:nvPr/>
+        </p:nvSpPr>
+        <p:spPr>
+          <a:xfrm rot="8134721">
+            <a:off x="5706435" y="2361078"/>
+            <a:ext cx="2976255" cy="150244"/>
+          </a:xfrm>
+          <a:prstGeom prst="trapezoid">
+            <a:avLst>
+              <a:gd name="adj" fmla="val 100308"/>
+            </a:avLst>
+          </a:prstGeom>
+          <a:solidFill>
+            <a:schemeClr val="tx1"/>
+          </a:solidFill>
+          <a:ln>
+            <a:noFill/>
+          </a:ln>
+        </p:spPr>
+        <p:style>
+          <a:lnRef idx="2">
+            <a:schemeClr val="accent1">
+              <a:shade val="50000"/>
+            </a:schemeClr>
+          </a:lnRef>
+          <a:fillRef idx="1">
+            <a:schemeClr val="accent1"/>
+          </a:fillRef>
+          <a:effectRef idx="0">
+            <a:schemeClr val="accent1"/>
+          </a:effectRef>
+          <a:fontRef idx="minor">
+            <a:schemeClr val="lt1"/>
+          </a:fontRef>
+        </p:style>
+        <p:txBody>
+          <a:bodyPr rtlCol="0" anchor="ctr"/>
+          <a:lstStyle/>
+          <a:p>
+            <a:pPr algn="ctr"/>
+            <a:endParaRPr lang="es-MX"/>
+          </a:p>
+        </p:txBody>
+      </p:sp>
+      <p:sp>
+        <p:nvSpPr>
+          <p:cNvPr id="15" name="Triángulo isósceles 14">
+            <a:extLst>
+              <a:ext uri="{FF2B5EF4-FFF2-40B4-BE49-F238E27FC236}">
+                <a16:creationId xmlns:a16="http://schemas.microsoft.com/office/drawing/2014/main" id="{C677DB6F-F23F-40C0-92AC-F213E2358CEC}"/>
+              </a:ext>
+            </a:extLst>
+          </p:cNvPr>
+          <p:cNvSpPr>
+            <a:spLocks noChangeAspect="1"/>
+          </p:cNvSpPr>
+          <p:nvPr/>
+        </p:nvSpPr>
+        <p:spPr>
+          <a:xfrm rot="2707360">
+            <a:off x="6395597" y="2962180"/>
+            <a:ext cx="1312170" cy="1305780"/>
+          </a:xfrm>
+          <a:prstGeom prst="triangle">
+            <a:avLst>
+              <a:gd name="adj" fmla="val 0"/>
+            </a:avLst>
+          </a:prstGeom>
+          <a:solidFill>
+            <a:schemeClr val="bg1"/>
+          </a:solidFill>
+          <a:ln>
+            <a:noFill/>
+          </a:ln>
+        </p:spPr>
+        <p:style>
+          <a:lnRef idx="2">
+            <a:schemeClr val="accent1">
+              <a:shade val="50000"/>
+            </a:schemeClr>
+          </a:lnRef>
+          <a:fillRef idx="1">
+            <a:schemeClr val="accent1"/>
+          </a:fillRef>
+          <a:effectRef idx="0">
+            <a:schemeClr val="accent1"/>
+          </a:effectRef>
+          <a:fontRef idx="minor">
+            <a:schemeClr val="lt1"/>
+          </a:fontRef>
+        </p:style>
+        <p:txBody>
+          <a:bodyPr rtlCol="0" anchor="ctr"/>
+          <a:lstStyle/>
+          <a:p>
+            <a:pPr algn="ctr"/>
+            <a:endParaRPr lang="es-MX"/>
+          </a:p>
+        </p:txBody>
+      </p:sp>
+      <p:sp>
+        <p:nvSpPr>
+          <p:cNvPr id="16" name="Triángulo isósceles 15">
+            <a:extLst>
+              <a:ext uri="{FF2B5EF4-FFF2-40B4-BE49-F238E27FC236}">
+                <a16:creationId xmlns:a16="http://schemas.microsoft.com/office/drawing/2014/main" id="{8B551F83-3D51-4EC6-8D53-092B6916EE78}"/>
+              </a:ext>
+            </a:extLst>
+          </p:cNvPr>
+          <p:cNvSpPr>
+            <a:spLocks noChangeAspect="1"/>
+          </p:cNvSpPr>
+          <p:nvPr/>
+        </p:nvSpPr>
+        <p:spPr>
+          <a:xfrm rot="18899952">
+            <a:off x="5961451" y="3230663"/>
+            <a:ext cx="312445" cy="310923"/>
+          </a:xfrm>
+          <a:prstGeom prst="triangle">
+            <a:avLst>
+              <a:gd name="adj" fmla="val 0"/>
+            </a:avLst>
+          </a:prstGeom>
+          <a:solidFill>
+            <a:schemeClr val="tx1"/>
+          </a:solidFill>
+          <a:ln>
+            <a:noFill/>
+          </a:ln>
+        </p:spPr>
+        <p:style>
+          <a:lnRef idx="2">
+            <a:schemeClr val="accent1">
+              <a:shade val="50000"/>
+            </a:schemeClr>
+          </a:lnRef>
+          <a:fillRef idx="1">
+            <a:schemeClr val="accent1"/>
+          </a:fillRef>
+          <a:effectRef idx="0">
+            <a:schemeClr val="accent1"/>
+          </a:effectRef>
+          <a:fontRef idx="minor">
+            <a:schemeClr val="lt1"/>
+          </a:fontRef>
+        </p:style>
+        <p:txBody>
+          <a:bodyPr rtlCol="0" anchor="ctr"/>
+          <a:lstStyle/>
+          <a:p>
+            <a:pPr algn="ctr"/>
+            <a:endParaRPr lang="es-MX"/>
+          </a:p>
+        </p:txBody>
+      </p:sp>
+    </p:spTree>
+    <p:extLst>
+      <p:ext uri="{BB962C8B-B14F-4D97-AF65-F5344CB8AC3E}">
+        <p14:creationId xmlns:p14="http://schemas.microsoft.com/office/powerpoint/2010/main" val="3013654792"/>
+      </p:ext>
+    </p:extLst>
+  </p:cSld>
+  <p:clrMapOvr>
+    <a:masterClrMapping/>
+  </p:clrMapOvr>
+</p:sld>
+</file>
+
+<file path=ppt/slides/slide4.xml><?xml version="1.0" encoding="utf-8"?>
+<p:sld xmlns:a="http://schemas.openxmlformats.org/drawingml/2006/main" xmlns:r="http://schemas.openxmlformats.org/officeDocument/2006/relationships" xmlns:p="http://schemas.openxmlformats.org/presentationml/2006/main">
+  <p:cSld>
+    <p:spTree>
+      <p:nvGrpSpPr>
+        <p:cNvPr id="1" name=""/>
+        <p:cNvGrpSpPr/>
+        <p:nvPr/>
+      </p:nvGrpSpPr>
+      <p:grpSpPr>
+        <a:xfrm>
+          <a:off x="0" y="0"/>
+          <a:ext cx="0" cy="0"/>
+          <a:chOff x="0" y="0"/>
+          <a:chExt cx="0" cy="0"/>
+        </a:xfrm>
+      </p:grpSpPr>
+      <p:sp>
+        <p:nvSpPr>
+          <p:cNvPr id="2" name="Rectángulo: esquinas redondeadas 1">
+            <a:extLst>
+              <a:ext uri="{FF2B5EF4-FFF2-40B4-BE49-F238E27FC236}">
+                <a16:creationId xmlns:a16="http://schemas.microsoft.com/office/drawing/2014/main" id="{46154A70-D691-4698-8A81-96422966E975}"/>
+              </a:ext>
+            </a:extLst>
+          </p:cNvPr>
+          <p:cNvSpPr>
+            <a:spLocks noChangeAspect="1"/>
+          </p:cNvSpPr>
+          <p:nvPr/>
+        </p:nvSpPr>
+        <p:spPr>
+          <a:xfrm>
+            <a:off x="3323574" y="613699"/>
+            <a:ext cx="5544851" cy="5544851"/>
+          </a:xfrm>
+          <a:prstGeom prst="roundRect">
+            <a:avLst>
+              <a:gd name="adj" fmla="val 14830"/>
+            </a:avLst>
+          </a:prstGeom>
+          <a:solidFill>
+            <a:schemeClr val="bg1"/>
+          </a:solidFill>
+          <a:ln w="38100">
+            <a:solidFill>
+              <a:schemeClr val="accent4">
+                <a:lumMod val="60000"/>
+                <a:lumOff val="40000"/>
+              </a:schemeClr>
+            </a:solidFill>
+          </a:ln>
+        </p:spPr>
+        <p:style>
+          <a:lnRef idx="2">
+            <a:schemeClr val="accent1">
+              <a:shade val="50000"/>
+            </a:schemeClr>
+          </a:lnRef>
+          <a:fillRef idx="1">
+            <a:schemeClr val="accent1"/>
+          </a:fillRef>
+          <a:effectRef idx="0">
+            <a:schemeClr val="accent1"/>
+          </a:effectRef>
+          <a:fontRef idx="minor">
+            <a:schemeClr val="lt1"/>
+          </a:fontRef>
+        </p:style>
+        <p:txBody>
+          <a:bodyPr rtlCol="0" anchor="ctr"/>
+          <a:lstStyle/>
+          <a:p>
+            <a:pPr algn="ctr"/>
+            <a:endParaRPr lang="es-MX"/>
+          </a:p>
+        </p:txBody>
+      </p:sp>
+      <p:sp>
+        <p:nvSpPr>
+          <p:cNvPr id="10" name="Triángulo isósceles 9">
+            <a:extLst>
+              <a:ext uri="{FF2B5EF4-FFF2-40B4-BE49-F238E27FC236}">
+                <a16:creationId xmlns:a16="http://schemas.microsoft.com/office/drawing/2014/main" id="{0CE0475E-25A5-4292-93D5-F0319711F0F9}"/>
+              </a:ext>
+            </a:extLst>
+          </p:cNvPr>
+          <p:cNvSpPr>
+            <a:spLocks/>
+          </p:cNvSpPr>
+          <p:nvPr/>
+        </p:nvSpPr>
+        <p:spPr>
+          <a:xfrm rot="16200000">
+            <a:off x="4057862" y="1316126"/>
+            <a:ext cx="4140000" cy="4140000"/>
+          </a:xfrm>
+          <a:prstGeom prst="triangle">
+            <a:avLst>
+              <a:gd name="adj" fmla="val 0"/>
+            </a:avLst>
+          </a:prstGeom>
+          <a:solidFill>
+            <a:schemeClr val="accent4">
+              <a:lumMod val="60000"/>
+              <a:lumOff val="40000"/>
+            </a:schemeClr>
+          </a:solidFill>
+          <a:ln>
+            <a:noFill/>
+          </a:ln>
+        </p:spPr>
+        <p:style>
+          <a:lnRef idx="2">
+            <a:schemeClr val="accent1">
+              <a:shade val="50000"/>
+            </a:schemeClr>
+          </a:lnRef>
+          <a:fillRef idx="1">
+            <a:schemeClr val="accent1"/>
+          </a:fillRef>
+          <a:effectRef idx="0">
+            <a:schemeClr val="accent1"/>
+          </a:effectRef>
+          <a:fontRef idx="minor">
+            <a:schemeClr val="lt1"/>
+          </a:fontRef>
+        </p:style>
+        <p:txBody>
+          <a:bodyPr rtlCol="0" anchor="ctr"/>
+          <a:lstStyle/>
+          <a:p>
+            <a:pPr algn="ctr"/>
+            <a:endParaRPr lang="es-MX"/>
+          </a:p>
+        </p:txBody>
+      </p:sp>
+      <p:sp>
+        <p:nvSpPr>
+          <p:cNvPr id="11" name="Triángulo isósceles 10">
+            <a:extLst>
+              <a:ext uri="{FF2B5EF4-FFF2-40B4-BE49-F238E27FC236}">
+                <a16:creationId xmlns:a16="http://schemas.microsoft.com/office/drawing/2014/main" id="{EC048DEA-8FEB-4986-BF12-DCB702E017CE}"/>
+              </a:ext>
+            </a:extLst>
+          </p:cNvPr>
+          <p:cNvSpPr>
+            <a:spLocks/>
+          </p:cNvSpPr>
+          <p:nvPr/>
+        </p:nvSpPr>
+        <p:spPr>
+          <a:xfrm>
+            <a:off x="4057862" y="1316126"/>
+            <a:ext cx="4140000" cy="4140000"/>
+          </a:xfrm>
+          <a:prstGeom prst="triangle">
+            <a:avLst>
+              <a:gd name="adj" fmla="val 0"/>
+            </a:avLst>
+          </a:prstGeom>
+          <a:solidFill>
+            <a:srgbClr val="BF9000"/>
+          </a:solidFill>
+          <a:ln>
+            <a:noFill/>
+          </a:ln>
+        </p:spPr>
+        <p:style>
+          <a:lnRef idx="2">
+            <a:schemeClr val="accent1">
+              <a:shade val="50000"/>
+            </a:schemeClr>
+          </a:lnRef>
+          <a:fillRef idx="1">
+            <a:schemeClr val="accent1"/>
+          </a:fillRef>
+          <a:effectRef idx="0">
+            <a:schemeClr val="accent1"/>
+          </a:effectRef>
+          <a:fontRef idx="minor">
+            <a:schemeClr val="lt1"/>
+          </a:fontRef>
+        </p:style>
+        <p:txBody>
+          <a:bodyPr rtlCol="0" anchor="ctr"/>
+          <a:lstStyle/>
+          <a:p>
+            <a:pPr algn="ctr"/>
+            <a:endParaRPr lang="es-MX"/>
+          </a:p>
+        </p:txBody>
+      </p:sp>
+      <p:sp>
+        <p:nvSpPr>
+          <p:cNvPr id="12" name="Triángulo isósceles 11">
+            <a:extLst>
+              <a:ext uri="{FF2B5EF4-FFF2-40B4-BE49-F238E27FC236}">
+                <a16:creationId xmlns:a16="http://schemas.microsoft.com/office/drawing/2014/main" id="{876C87BA-EDC5-496C-BC2B-7F31E1189A26}"/>
+              </a:ext>
+            </a:extLst>
+          </p:cNvPr>
+          <p:cNvSpPr>
+            <a:spLocks noChangeAspect="1"/>
+          </p:cNvSpPr>
+          <p:nvPr/>
+        </p:nvSpPr>
+        <p:spPr>
+          <a:xfrm>
+            <a:off x="4878045" y="3281538"/>
+            <a:ext cx="1484665" cy="1484665"/>
+          </a:xfrm>
+          <a:prstGeom prst="triangle">
+            <a:avLst>
+              <a:gd name="adj" fmla="val 0"/>
+            </a:avLst>
+          </a:prstGeom>
+          <a:solidFill>
+            <a:schemeClr val="bg1"/>
+          </a:solidFill>
+          <a:ln>
+            <a:noFill/>
+          </a:ln>
+        </p:spPr>
+        <p:style>
+          <a:lnRef idx="2">
+            <a:schemeClr val="accent1">
+              <a:shade val="50000"/>
+            </a:schemeClr>
+          </a:lnRef>
+          <a:fillRef idx="1">
+            <a:schemeClr val="accent1"/>
+          </a:fillRef>
+          <a:effectRef idx="0">
+            <a:schemeClr val="accent1"/>
+          </a:effectRef>
+          <a:fontRef idx="minor">
+            <a:schemeClr val="lt1"/>
+          </a:fontRef>
+        </p:style>
+        <p:txBody>
+          <a:bodyPr rtlCol="0" anchor="ctr"/>
+          <a:lstStyle/>
+          <a:p>
+            <a:pPr algn="ctr"/>
+            <a:endParaRPr lang="es-MX"/>
+          </a:p>
+        </p:txBody>
+      </p:sp>
+    </p:spTree>
+    <p:extLst>
+      <p:ext uri="{BB962C8B-B14F-4D97-AF65-F5344CB8AC3E}">
+        <p14:creationId xmlns:p14="http://schemas.microsoft.com/office/powerpoint/2010/main" val="1030259865"/>
+      </p:ext>
+    </p:extLst>
+  </p:cSld>
+  <p:clrMapOvr>
+    <a:masterClrMapping/>
+  </p:clrMapOvr>
+</p:sld>
+</file>
+
+<file path=ppt/slides/slide5.xml><?xml version="1.0" encoding="utf-8"?>
+<p:sld xmlns:a="http://schemas.openxmlformats.org/drawingml/2006/main" xmlns:r="http://schemas.openxmlformats.org/officeDocument/2006/relationships" xmlns:p="http://schemas.openxmlformats.org/presentationml/2006/main">
+  <p:cSld>
+    <p:bg>
+      <p:bgPr>
+        <a:solidFill>
+          <a:schemeClr val="tx1"/>
+        </a:solidFill>
+        <a:effectLst/>
+      </p:bgPr>
+    </p:bg>
+    <p:spTree>
+      <p:nvGrpSpPr>
+        <p:cNvPr id="1" name=""/>
+        <p:cNvGrpSpPr/>
+        <p:nvPr/>
+      </p:nvGrpSpPr>
+      <p:grpSpPr>
+        <a:xfrm>
+          <a:off x="0" y="0"/>
+          <a:ext cx="0" cy="0"/>
+          <a:chOff x="0" y="0"/>
+          <a:chExt cx="0" cy="0"/>
+        </a:xfrm>
+      </p:grpSpPr>
       <p:grpSp>
         <p:nvGrpSpPr>
-          <p:cNvPr id="17" name="Grupo 16">
-            <a:extLst>
-              <a:ext uri="{FF2B5EF4-FFF2-40B4-BE49-F238E27FC236}">
-                <a16:creationId xmlns:a16="http://schemas.microsoft.com/office/drawing/2014/main" id="{71F07E5E-CC13-4B87-82EB-B9F6974F7516}"/>
+          <p:cNvPr id="3" name="Grupo 2">
+            <a:extLst>
+              <a:ext uri="{FF2B5EF4-FFF2-40B4-BE49-F238E27FC236}">
+                <a16:creationId xmlns:a16="http://schemas.microsoft.com/office/drawing/2014/main" id="{DC56B4AB-B939-43FB-A0AC-78F197088CB8}"/>
               </a:ext>
             </a:extLst>
           </p:cNvPr>
@@ -3360,43 +4759,36 @@
         </p:nvGrpSpPr>
         <p:grpSpPr>
           <a:xfrm>
-            <a:off x="1973925" y="257453"/>
-            <a:ext cx="6480000" cy="6480000"/>
-            <a:chOff x="1973925" y="257453"/>
-            <a:chExt cx="6480000" cy="6480000"/>
+            <a:off x="3279103" y="719367"/>
+            <a:ext cx="5633793" cy="5419265"/>
+            <a:chOff x="3279103" y="719367"/>
+            <a:chExt cx="5633793" cy="5419265"/>
           </a:xfrm>
         </p:grpSpPr>
         <p:sp>
           <p:nvSpPr>
-            <p:cNvPr id="16" name="Triángulo isósceles 15">
+            <p:cNvPr id="8" name="Rectángulo 7">
               <a:extLst>
                 <a:ext uri="{FF2B5EF4-FFF2-40B4-BE49-F238E27FC236}">
-                  <a16:creationId xmlns:a16="http://schemas.microsoft.com/office/drawing/2014/main" id="{ABDF3C8D-64D1-4AFA-BDE2-A6B98DDB1D43}"/>
+                  <a16:creationId xmlns:a16="http://schemas.microsoft.com/office/drawing/2014/main" id="{CFD04F7D-66BA-4356-9A6D-6B3B11D2EE63}"/>
                 </a:ext>
               </a:extLst>
             </p:cNvPr>
-            <p:cNvSpPr>
-              <a:spLocks/>
-            </p:cNvSpPr>
+            <p:cNvSpPr/>
             <p:nvPr/>
           </p:nvSpPr>
           <p:spPr>
-            <a:xfrm rot="16200000">
-              <a:off x="1973925" y="257453"/>
-              <a:ext cx="6480000" cy="6480000"/>
+            <a:xfrm>
+              <a:off x="3279103" y="719367"/>
+              <a:ext cx="5633793" cy="5419265"/>
             </a:xfrm>
-            <a:prstGeom prst="triangle">
-              <a:avLst>
-                <a:gd name="adj" fmla="val 0"/>
-              </a:avLst>
+            <a:prstGeom prst="rect">
+              <a:avLst/>
             </a:prstGeom>
             <a:solidFill>
-              <a:schemeClr val="accent2">
-                <a:lumMod val="60000"/>
-                <a:lumOff val="40000"/>
-              </a:schemeClr>
+              <a:schemeClr val="bg1"/>
             </a:solidFill>
-            <a:ln>
+            <a:ln w="41275">
               <a:noFill/>
             </a:ln>
           </p:spPr>
@@ -3427,227 +4819,6 @@
         </p:sp>
         <p:sp>
           <p:nvSpPr>
-            <p:cNvPr id="12" name="Triángulo isósceles 11">
-              <a:extLst>
-                <a:ext uri="{FF2B5EF4-FFF2-40B4-BE49-F238E27FC236}">
-                  <a16:creationId xmlns:a16="http://schemas.microsoft.com/office/drawing/2014/main" id="{3153EE08-CF3C-42CC-91CB-2A5E727DA410}"/>
-                </a:ext>
-              </a:extLst>
-            </p:cNvPr>
-            <p:cNvSpPr>
-              <a:spLocks/>
-            </p:cNvSpPr>
-            <p:nvPr/>
-          </p:nvSpPr>
-          <p:spPr>
-            <a:xfrm>
-              <a:off x="1973925" y="257453"/>
-              <a:ext cx="6480000" cy="6480000"/>
-            </a:xfrm>
-            <a:prstGeom prst="triangle">
-              <a:avLst>
-                <a:gd name="adj" fmla="val 0"/>
-              </a:avLst>
-            </a:prstGeom>
-            <a:solidFill>
-              <a:schemeClr val="accent2">
-                <a:lumMod val="75000"/>
-              </a:schemeClr>
-            </a:solidFill>
-            <a:ln>
-              <a:noFill/>
-            </a:ln>
-          </p:spPr>
-          <p:style>
-            <a:lnRef idx="2">
-              <a:schemeClr val="accent1">
-                <a:shade val="50000"/>
-              </a:schemeClr>
-            </a:lnRef>
-            <a:fillRef idx="1">
-              <a:schemeClr val="accent1"/>
-            </a:fillRef>
-            <a:effectRef idx="0">
-              <a:schemeClr val="accent1"/>
-            </a:effectRef>
-            <a:fontRef idx="minor">
-              <a:schemeClr val="lt1"/>
-            </a:fontRef>
-          </p:style>
-          <p:txBody>
-            <a:bodyPr rtlCol="0" anchor="ctr"/>
-            <a:lstStyle/>
-            <a:p>
-              <a:pPr algn="ctr"/>
-              <a:endParaRPr lang="es-MX"/>
-            </a:p>
-          </p:txBody>
-        </p:sp>
-        <p:sp>
-          <p:nvSpPr>
-            <p:cNvPr id="14" name="Triángulo isósceles 13">
-              <a:extLst>
-                <a:ext uri="{FF2B5EF4-FFF2-40B4-BE49-F238E27FC236}">
-                  <a16:creationId xmlns:a16="http://schemas.microsoft.com/office/drawing/2014/main" id="{32EAB9D9-9ABB-4217-85E1-3D15FB8DD198}"/>
-                </a:ext>
-              </a:extLst>
-            </p:cNvPr>
-            <p:cNvSpPr>
-              <a:spLocks noChangeAspect="1"/>
-            </p:cNvSpPr>
-            <p:nvPr/>
-          </p:nvSpPr>
-          <p:spPr>
-            <a:xfrm>
-              <a:off x="3257690" y="3333750"/>
-              <a:ext cx="2323824" cy="2323824"/>
-            </a:xfrm>
-            <a:prstGeom prst="triangle">
-              <a:avLst>
-                <a:gd name="adj" fmla="val 0"/>
-              </a:avLst>
-            </a:prstGeom>
-            <a:solidFill>
-              <a:schemeClr val="bg1"/>
-            </a:solidFill>
-            <a:ln>
-              <a:noFill/>
-            </a:ln>
-          </p:spPr>
-          <p:style>
-            <a:lnRef idx="2">
-              <a:schemeClr val="accent1">
-                <a:shade val="50000"/>
-              </a:schemeClr>
-            </a:lnRef>
-            <a:fillRef idx="1">
-              <a:schemeClr val="accent1"/>
-            </a:fillRef>
-            <a:effectRef idx="0">
-              <a:schemeClr val="accent1"/>
-            </a:effectRef>
-            <a:fontRef idx="minor">
-              <a:schemeClr val="lt1"/>
-            </a:fontRef>
-          </p:style>
-          <p:txBody>
-            <a:bodyPr rtlCol="0" anchor="ctr"/>
-            <a:lstStyle/>
-            <a:p>
-              <a:pPr algn="ctr"/>
-              <a:endParaRPr lang="es-MX"/>
-            </a:p>
-          </p:txBody>
-        </p:sp>
-      </p:grpSp>
-    </p:spTree>
-    <p:extLst>
-      <p:ext uri="{BB962C8B-B14F-4D97-AF65-F5344CB8AC3E}">
-        <p14:creationId xmlns:p14="http://schemas.microsoft.com/office/powerpoint/2010/main" val="229981741"/>
-      </p:ext>
-    </p:extLst>
-  </p:cSld>
-  <p:clrMapOvr>
-    <a:masterClrMapping/>
-  </p:clrMapOvr>
-</p:sld>
-</file>
-
-<file path=ppt/slides/slide2.xml><?xml version="1.0" encoding="utf-8"?>
-<p:sld xmlns:a="http://schemas.openxmlformats.org/drawingml/2006/main" xmlns:r="http://schemas.openxmlformats.org/officeDocument/2006/relationships" xmlns:p="http://schemas.openxmlformats.org/presentationml/2006/main">
-  <p:cSld>
-    <p:spTree>
-      <p:nvGrpSpPr>
-        <p:cNvPr id="1" name=""/>
-        <p:cNvGrpSpPr/>
-        <p:nvPr/>
-      </p:nvGrpSpPr>
-      <p:grpSpPr>
-        <a:xfrm>
-          <a:off x="0" y="0"/>
-          <a:ext cx="0" cy="0"/>
-          <a:chOff x="0" y="0"/>
-          <a:chExt cx="0" cy="0"/>
-        </a:xfrm>
-      </p:grpSpPr>
-      <p:sp>
-        <p:nvSpPr>
-          <p:cNvPr id="8" name="Rectángulo 7">
-            <a:extLst>
-              <a:ext uri="{FF2B5EF4-FFF2-40B4-BE49-F238E27FC236}">
-                <a16:creationId xmlns:a16="http://schemas.microsoft.com/office/drawing/2014/main" id="{CFD04F7D-66BA-4356-9A6D-6B3B11D2EE63}"/>
-              </a:ext>
-            </a:extLst>
-          </p:cNvPr>
-          <p:cNvSpPr/>
-          <p:nvPr/>
-        </p:nvSpPr>
-        <p:spPr>
-          <a:xfrm>
-            <a:off x="3607861" y="866125"/>
-            <a:ext cx="5040000" cy="5040000"/>
-          </a:xfrm>
-          <a:prstGeom prst="rect">
-            <a:avLst/>
-          </a:prstGeom>
-          <a:solidFill>
-            <a:schemeClr val="bg1"/>
-          </a:solidFill>
-          <a:ln w="41275">
-            <a:solidFill>
-              <a:schemeClr val="accent2">
-                <a:lumMod val="75000"/>
-              </a:schemeClr>
-            </a:solidFill>
-          </a:ln>
-        </p:spPr>
-        <p:style>
-          <a:lnRef idx="2">
-            <a:schemeClr val="accent1">
-              <a:shade val="50000"/>
-            </a:schemeClr>
-          </a:lnRef>
-          <a:fillRef idx="1">
-            <a:schemeClr val="accent1"/>
-          </a:fillRef>
-          <a:effectRef idx="0">
-            <a:schemeClr val="accent1"/>
-          </a:effectRef>
-          <a:fontRef idx="minor">
-            <a:schemeClr val="lt1"/>
-          </a:fontRef>
-        </p:style>
-        <p:txBody>
-          <a:bodyPr rtlCol="0" anchor="ctr"/>
-          <a:lstStyle/>
-          <a:p>
-            <a:pPr algn="ctr"/>
-            <a:endParaRPr lang="es-MX"/>
-          </a:p>
-        </p:txBody>
-      </p:sp>
-      <p:grpSp>
-        <p:nvGrpSpPr>
-          <p:cNvPr id="9" name="Grupo 8">
-            <a:extLst>
-              <a:ext uri="{FF2B5EF4-FFF2-40B4-BE49-F238E27FC236}">
-                <a16:creationId xmlns:a16="http://schemas.microsoft.com/office/drawing/2014/main" id="{1CC6B962-6EF6-49F9-B511-E51F5E30F617}"/>
-              </a:ext>
-            </a:extLst>
-          </p:cNvPr>
-          <p:cNvGrpSpPr/>
-          <p:nvPr/>
-        </p:nvGrpSpPr>
-        <p:grpSpPr>
-          <a:xfrm>
-            <a:off x="4057862" y="1316126"/>
-            <a:ext cx="4140000" cy="4140000"/>
-            <a:chOff x="1973925" y="257453"/>
-            <a:chExt cx="6480000" cy="6480000"/>
-          </a:xfrm>
-        </p:grpSpPr>
-        <p:sp>
-          <p:nvSpPr>
             <p:cNvPr id="10" name="Triángulo isósceles 9">
               <a:extLst>
                 <a:ext uri="{FF2B5EF4-FFF2-40B4-BE49-F238E27FC236}">
@@ -3662,8 +4833,8 @@
           </p:nvSpPr>
           <p:spPr>
             <a:xfrm rot="16200000">
-              <a:off x="1973925" y="257453"/>
-              <a:ext cx="6480000" cy="6480000"/>
+              <a:off x="4057862" y="1316126"/>
+              <a:ext cx="4140000" cy="4140000"/>
             </a:xfrm>
             <a:prstGeom prst="triangle">
               <a:avLst>
@@ -3671,7 +4842,7 @@
               </a:avLst>
             </a:prstGeom>
             <a:solidFill>
-              <a:schemeClr val="accent2">
+              <a:schemeClr val="accent4">
                 <a:lumMod val="60000"/>
                 <a:lumOff val="40000"/>
               </a:schemeClr>
@@ -3721,8 +4892,8 @@
           </p:nvSpPr>
           <p:spPr>
             <a:xfrm>
-              <a:off x="1973925" y="257453"/>
-              <a:ext cx="6480000" cy="6480000"/>
+              <a:off x="4057862" y="1316126"/>
+              <a:ext cx="4140000" cy="4140000"/>
             </a:xfrm>
             <a:prstGeom prst="triangle">
               <a:avLst>
@@ -3730,9 +4901,7 @@
               </a:avLst>
             </a:prstGeom>
             <a:solidFill>
-              <a:schemeClr val="accent2">
-                <a:lumMod val="75000"/>
-              </a:schemeClr>
+              <a:srgbClr val="BF9000"/>
             </a:solidFill>
             <a:ln>
               <a:noFill/>
@@ -3779,8 +4948,8 @@
           </p:nvSpPr>
           <p:spPr>
             <a:xfrm>
-              <a:off x="3257690" y="3333750"/>
-              <a:ext cx="2323824" cy="2323824"/>
+              <a:off x="4878045" y="3281538"/>
+              <a:ext cx="1484665" cy="1484665"/>
             </a:xfrm>
             <a:prstGeom prst="triangle">
               <a:avLst>
@@ -3823,7 +4992,7 @@
     </p:spTree>
     <p:extLst>
       <p:ext uri="{BB962C8B-B14F-4D97-AF65-F5344CB8AC3E}">
-        <p14:creationId xmlns:p14="http://schemas.microsoft.com/office/powerpoint/2010/main" val="1794655107"/>
+        <p14:creationId xmlns:p14="http://schemas.microsoft.com/office/powerpoint/2010/main" val="2409698"/>
       </p:ext>
     </p:extLst>
   </p:cSld>
@@ -3833,291 +5002,7 @@
 </p:sld>
 </file>
 
-<file path=ppt/slides/slide3.xml><?xml version="1.0" encoding="utf-8"?>
-<p:sld xmlns:a="http://schemas.openxmlformats.org/drawingml/2006/main" xmlns:r="http://schemas.openxmlformats.org/officeDocument/2006/relationships" xmlns:p="http://schemas.openxmlformats.org/presentationml/2006/main">
-  <p:cSld>
-    <p:spTree>
-      <p:nvGrpSpPr>
-        <p:cNvPr id="1" name=""/>
-        <p:cNvGrpSpPr/>
-        <p:nvPr/>
-      </p:nvGrpSpPr>
-      <p:grpSpPr>
-        <a:xfrm>
-          <a:off x="0" y="0"/>
-          <a:ext cx="0" cy="0"/>
-          <a:chOff x="0" y="0"/>
-          <a:chExt cx="0" cy="0"/>
-        </a:xfrm>
-      </p:grpSpPr>
-      <p:sp>
-        <p:nvSpPr>
-          <p:cNvPr id="2" name="Rectángulo: esquinas redondeadas 1">
-            <a:extLst>
-              <a:ext uri="{FF2B5EF4-FFF2-40B4-BE49-F238E27FC236}">
-                <a16:creationId xmlns:a16="http://schemas.microsoft.com/office/drawing/2014/main" id="{46154A70-D691-4698-8A81-96422966E975}"/>
-              </a:ext>
-            </a:extLst>
-          </p:cNvPr>
-          <p:cNvSpPr>
-            <a:spLocks noChangeAspect="1"/>
-          </p:cNvSpPr>
-          <p:nvPr/>
-        </p:nvSpPr>
-        <p:spPr>
-          <a:xfrm>
-            <a:off x="3323574" y="613699"/>
-            <a:ext cx="5544851" cy="5544851"/>
-          </a:xfrm>
-          <a:prstGeom prst="roundRect">
-            <a:avLst>
-              <a:gd name="adj" fmla="val 14830"/>
-            </a:avLst>
-          </a:prstGeom>
-          <a:solidFill>
-            <a:schemeClr val="bg1"/>
-          </a:solidFill>
-          <a:ln w="38100">
-            <a:solidFill>
-              <a:schemeClr val="accent2">
-                <a:lumMod val="75000"/>
-              </a:schemeClr>
-            </a:solidFill>
-          </a:ln>
-        </p:spPr>
-        <p:style>
-          <a:lnRef idx="2">
-            <a:schemeClr val="accent1">
-              <a:shade val="50000"/>
-            </a:schemeClr>
-          </a:lnRef>
-          <a:fillRef idx="1">
-            <a:schemeClr val="accent1"/>
-          </a:fillRef>
-          <a:effectRef idx="0">
-            <a:schemeClr val="accent1"/>
-          </a:effectRef>
-          <a:fontRef idx="minor">
-            <a:schemeClr val="lt1"/>
-          </a:fontRef>
-        </p:style>
-        <p:txBody>
-          <a:bodyPr rtlCol="0" anchor="ctr"/>
-          <a:lstStyle/>
-          <a:p>
-            <a:pPr algn="ctr"/>
-            <a:endParaRPr lang="es-MX"/>
-          </a:p>
-        </p:txBody>
-      </p:sp>
-      <p:grpSp>
-        <p:nvGrpSpPr>
-          <p:cNvPr id="9" name="Grupo 8">
-            <a:extLst>
-              <a:ext uri="{FF2B5EF4-FFF2-40B4-BE49-F238E27FC236}">
-                <a16:creationId xmlns:a16="http://schemas.microsoft.com/office/drawing/2014/main" id="{1CC6B962-6EF6-49F9-B511-E51F5E30F617}"/>
-              </a:ext>
-            </a:extLst>
-          </p:cNvPr>
-          <p:cNvGrpSpPr/>
-          <p:nvPr/>
-        </p:nvGrpSpPr>
-        <p:grpSpPr>
-          <a:xfrm>
-            <a:off x="4057862" y="1316126"/>
-            <a:ext cx="4140000" cy="4140000"/>
-            <a:chOff x="1973925" y="257453"/>
-            <a:chExt cx="6480000" cy="6480000"/>
-          </a:xfrm>
-        </p:grpSpPr>
-        <p:sp>
-          <p:nvSpPr>
-            <p:cNvPr id="10" name="Triángulo isósceles 9">
-              <a:extLst>
-                <a:ext uri="{FF2B5EF4-FFF2-40B4-BE49-F238E27FC236}">
-                  <a16:creationId xmlns:a16="http://schemas.microsoft.com/office/drawing/2014/main" id="{0CE0475E-25A5-4292-93D5-F0319711F0F9}"/>
-                </a:ext>
-              </a:extLst>
-            </p:cNvPr>
-            <p:cNvSpPr>
-              <a:spLocks/>
-            </p:cNvSpPr>
-            <p:nvPr/>
-          </p:nvSpPr>
-          <p:spPr>
-            <a:xfrm rot="16200000">
-              <a:off x="1973925" y="257453"/>
-              <a:ext cx="6480000" cy="6480000"/>
-            </a:xfrm>
-            <a:prstGeom prst="triangle">
-              <a:avLst>
-                <a:gd name="adj" fmla="val 0"/>
-              </a:avLst>
-            </a:prstGeom>
-            <a:solidFill>
-              <a:schemeClr val="accent2">
-                <a:lumMod val="60000"/>
-                <a:lumOff val="40000"/>
-              </a:schemeClr>
-            </a:solidFill>
-            <a:ln>
-              <a:noFill/>
-            </a:ln>
-          </p:spPr>
-          <p:style>
-            <a:lnRef idx="2">
-              <a:schemeClr val="accent1">
-                <a:shade val="50000"/>
-              </a:schemeClr>
-            </a:lnRef>
-            <a:fillRef idx="1">
-              <a:schemeClr val="accent1"/>
-            </a:fillRef>
-            <a:effectRef idx="0">
-              <a:schemeClr val="accent1"/>
-            </a:effectRef>
-            <a:fontRef idx="minor">
-              <a:schemeClr val="lt1"/>
-            </a:fontRef>
-          </p:style>
-          <p:txBody>
-            <a:bodyPr rtlCol="0" anchor="ctr"/>
-            <a:lstStyle/>
-            <a:p>
-              <a:pPr algn="ctr"/>
-              <a:endParaRPr lang="es-MX"/>
-            </a:p>
-          </p:txBody>
-        </p:sp>
-        <p:sp>
-          <p:nvSpPr>
-            <p:cNvPr id="11" name="Triángulo isósceles 10">
-              <a:extLst>
-                <a:ext uri="{FF2B5EF4-FFF2-40B4-BE49-F238E27FC236}">
-                  <a16:creationId xmlns:a16="http://schemas.microsoft.com/office/drawing/2014/main" id="{EC048DEA-8FEB-4986-BF12-DCB702E017CE}"/>
-                </a:ext>
-              </a:extLst>
-            </p:cNvPr>
-            <p:cNvSpPr>
-              <a:spLocks/>
-            </p:cNvSpPr>
-            <p:nvPr/>
-          </p:nvSpPr>
-          <p:spPr>
-            <a:xfrm>
-              <a:off x="1973925" y="257453"/>
-              <a:ext cx="6480000" cy="6480000"/>
-            </a:xfrm>
-            <a:prstGeom prst="triangle">
-              <a:avLst>
-                <a:gd name="adj" fmla="val 0"/>
-              </a:avLst>
-            </a:prstGeom>
-            <a:solidFill>
-              <a:schemeClr val="accent2">
-                <a:lumMod val="75000"/>
-              </a:schemeClr>
-            </a:solidFill>
-            <a:ln>
-              <a:noFill/>
-            </a:ln>
-          </p:spPr>
-          <p:style>
-            <a:lnRef idx="2">
-              <a:schemeClr val="accent1">
-                <a:shade val="50000"/>
-              </a:schemeClr>
-            </a:lnRef>
-            <a:fillRef idx="1">
-              <a:schemeClr val="accent1"/>
-            </a:fillRef>
-            <a:effectRef idx="0">
-              <a:schemeClr val="accent1"/>
-            </a:effectRef>
-            <a:fontRef idx="minor">
-              <a:schemeClr val="lt1"/>
-            </a:fontRef>
-          </p:style>
-          <p:txBody>
-            <a:bodyPr rtlCol="0" anchor="ctr"/>
-            <a:lstStyle/>
-            <a:p>
-              <a:pPr algn="ctr"/>
-              <a:endParaRPr lang="es-MX"/>
-            </a:p>
-          </p:txBody>
-        </p:sp>
-        <p:sp>
-          <p:nvSpPr>
-            <p:cNvPr id="12" name="Triángulo isósceles 11">
-              <a:extLst>
-                <a:ext uri="{FF2B5EF4-FFF2-40B4-BE49-F238E27FC236}">
-                  <a16:creationId xmlns:a16="http://schemas.microsoft.com/office/drawing/2014/main" id="{876C87BA-EDC5-496C-BC2B-7F31E1189A26}"/>
-                </a:ext>
-              </a:extLst>
-            </p:cNvPr>
-            <p:cNvSpPr>
-              <a:spLocks noChangeAspect="1"/>
-            </p:cNvSpPr>
-            <p:nvPr/>
-          </p:nvSpPr>
-          <p:spPr>
-            <a:xfrm>
-              <a:off x="3257690" y="3333750"/>
-              <a:ext cx="2323824" cy="2323824"/>
-            </a:xfrm>
-            <a:prstGeom prst="triangle">
-              <a:avLst>
-                <a:gd name="adj" fmla="val 0"/>
-              </a:avLst>
-            </a:prstGeom>
-            <a:solidFill>
-              <a:schemeClr val="bg1"/>
-            </a:solidFill>
-            <a:ln>
-              <a:noFill/>
-            </a:ln>
-          </p:spPr>
-          <p:style>
-            <a:lnRef idx="2">
-              <a:schemeClr val="accent1">
-                <a:shade val="50000"/>
-              </a:schemeClr>
-            </a:lnRef>
-            <a:fillRef idx="1">
-              <a:schemeClr val="accent1"/>
-            </a:fillRef>
-            <a:effectRef idx="0">
-              <a:schemeClr val="accent1"/>
-            </a:effectRef>
-            <a:fontRef idx="minor">
-              <a:schemeClr val="lt1"/>
-            </a:fontRef>
-          </p:style>
-          <p:txBody>
-            <a:bodyPr rtlCol="0" anchor="ctr"/>
-            <a:lstStyle/>
-            <a:p>
-              <a:pPr algn="ctr"/>
-              <a:endParaRPr lang="es-MX"/>
-            </a:p>
-          </p:txBody>
-        </p:sp>
-      </p:grpSp>
-    </p:spTree>
-    <p:extLst>
-      <p:ext uri="{BB962C8B-B14F-4D97-AF65-F5344CB8AC3E}">
-        <p14:creationId xmlns:p14="http://schemas.microsoft.com/office/powerpoint/2010/main" val="1030259865"/>
-      </p:ext>
-    </p:extLst>
-  </p:cSld>
-  <p:clrMapOvr>
-    <a:masterClrMapping/>
-  </p:clrMapOvr>
-</p:sld>
-</file>
-
-<file path=ppt/slides/slide4.xml><?xml version="1.0" encoding="utf-8"?>
+<file path=ppt/slides/slide6.xml><?xml version="1.0" encoding="utf-8"?>
 <p:sld xmlns:a="http://schemas.openxmlformats.org/drawingml/2006/main" xmlns:r="http://schemas.openxmlformats.org/officeDocument/2006/relationships" xmlns:p="http://schemas.openxmlformats.org/presentationml/2006/main">
   <p:cSld>
     <p:bg>
@@ -4142,311 +5027,6 @@
           <a:chExt cx="0" cy="0"/>
         </a:xfrm>
       </p:grpSpPr>
-      <p:grpSp>
-        <p:nvGrpSpPr>
-          <p:cNvPr id="2" name="Grupo 1">
-            <a:extLst>
-              <a:ext uri="{FF2B5EF4-FFF2-40B4-BE49-F238E27FC236}">
-                <a16:creationId xmlns:a16="http://schemas.microsoft.com/office/drawing/2014/main" id="{8EE40110-0387-416B-AAFC-AABCCFC8B31C}"/>
-              </a:ext>
-            </a:extLst>
-          </p:cNvPr>
-          <p:cNvGrpSpPr/>
-          <p:nvPr/>
-        </p:nvGrpSpPr>
-        <p:grpSpPr>
-          <a:xfrm>
-            <a:off x="3607861" y="866125"/>
-            <a:ext cx="5040000" cy="5040000"/>
-            <a:chOff x="3607861" y="866125"/>
-            <a:chExt cx="5040000" cy="5040000"/>
-          </a:xfrm>
-        </p:grpSpPr>
-        <p:sp>
-          <p:nvSpPr>
-            <p:cNvPr id="8" name="Rectángulo 7">
-              <a:extLst>
-                <a:ext uri="{FF2B5EF4-FFF2-40B4-BE49-F238E27FC236}">
-                  <a16:creationId xmlns:a16="http://schemas.microsoft.com/office/drawing/2014/main" id="{CFD04F7D-66BA-4356-9A6D-6B3B11D2EE63}"/>
-                </a:ext>
-              </a:extLst>
-            </p:cNvPr>
-            <p:cNvSpPr/>
-            <p:nvPr/>
-          </p:nvSpPr>
-          <p:spPr>
-            <a:xfrm>
-              <a:off x="3607861" y="866125"/>
-              <a:ext cx="5040000" cy="5040000"/>
-            </a:xfrm>
-            <a:prstGeom prst="rect">
-              <a:avLst/>
-            </a:prstGeom>
-            <a:solidFill>
-              <a:schemeClr val="bg1"/>
-            </a:solidFill>
-            <a:ln w="41275">
-              <a:noFill/>
-            </a:ln>
-          </p:spPr>
-          <p:style>
-            <a:lnRef idx="2">
-              <a:schemeClr val="accent1">
-                <a:shade val="50000"/>
-              </a:schemeClr>
-            </a:lnRef>
-            <a:fillRef idx="1">
-              <a:schemeClr val="accent1"/>
-            </a:fillRef>
-            <a:effectRef idx="0">
-              <a:schemeClr val="accent1"/>
-            </a:effectRef>
-            <a:fontRef idx="minor">
-              <a:schemeClr val="lt1"/>
-            </a:fontRef>
-          </p:style>
-          <p:txBody>
-            <a:bodyPr rtlCol="0" anchor="ctr"/>
-            <a:lstStyle/>
-            <a:p>
-              <a:pPr algn="ctr"/>
-              <a:endParaRPr lang="es-MX"/>
-            </a:p>
-          </p:txBody>
-        </p:sp>
-        <p:grpSp>
-          <p:nvGrpSpPr>
-            <p:cNvPr id="9" name="Grupo 8">
-              <a:extLst>
-                <a:ext uri="{FF2B5EF4-FFF2-40B4-BE49-F238E27FC236}">
-                  <a16:creationId xmlns:a16="http://schemas.microsoft.com/office/drawing/2014/main" id="{1CC6B962-6EF6-49F9-B511-E51F5E30F617}"/>
-                </a:ext>
-              </a:extLst>
-            </p:cNvPr>
-            <p:cNvGrpSpPr/>
-            <p:nvPr/>
-          </p:nvGrpSpPr>
-          <p:grpSpPr>
-            <a:xfrm>
-              <a:off x="4057862" y="1316126"/>
-              <a:ext cx="4140000" cy="4140000"/>
-              <a:chOff x="1973925" y="257453"/>
-              <a:chExt cx="6480000" cy="6480000"/>
-            </a:xfrm>
-          </p:grpSpPr>
-          <p:sp>
-            <p:nvSpPr>
-              <p:cNvPr id="10" name="Triángulo isósceles 9">
-                <a:extLst>
-                  <a:ext uri="{FF2B5EF4-FFF2-40B4-BE49-F238E27FC236}">
-                    <a16:creationId xmlns:a16="http://schemas.microsoft.com/office/drawing/2014/main" id="{0CE0475E-25A5-4292-93D5-F0319711F0F9}"/>
-                  </a:ext>
-                </a:extLst>
-              </p:cNvPr>
-              <p:cNvSpPr>
-                <a:spLocks/>
-              </p:cNvSpPr>
-              <p:nvPr/>
-            </p:nvSpPr>
-            <p:spPr>
-              <a:xfrm rot="16200000">
-                <a:off x="1973925" y="257453"/>
-                <a:ext cx="6480000" cy="6480000"/>
-              </a:xfrm>
-              <a:prstGeom prst="triangle">
-                <a:avLst>
-                  <a:gd name="adj" fmla="val 0"/>
-                </a:avLst>
-              </a:prstGeom>
-              <a:solidFill>
-                <a:schemeClr val="accent2">
-                  <a:lumMod val="60000"/>
-                  <a:lumOff val="40000"/>
-                </a:schemeClr>
-              </a:solidFill>
-              <a:ln>
-                <a:noFill/>
-              </a:ln>
-            </p:spPr>
-            <p:style>
-              <a:lnRef idx="2">
-                <a:schemeClr val="accent1">
-                  <a:shade val="50000"/>
-                </a:schemeClr>
-              </a:lnRef>
-              <a:fillRef idx="1">
-                <a:schemeClr val="accent1"/>
-              </a:fillRef>
-              <a:effectRef idx="0">
-                <a:schemeClr val="accent1"/>
-              </a:effectRef>
-              <a:fontRef idx="minor">
-                <a:schemeClr val="lt1"/>
-              </a:fontRef>
-            </p:style>
-            <p:txBody>
-              <a:bodyPr rtlCol="0" anchor="ctr"/>
-              <a:lstStyle/>
-              <a:p>
-                <a:pPr algn="ctr"/>
-                <a:endParaRPr lang="es-MX"/>
-              </a:p>
-            </p:txBody>
-          </p:sp>
-          <p:sp>
-            <p:nvSpPr>
-              <p:cNvPr id="11" name="Triángulo isósceles 10">
-                <a:extLst>
-                  <a:ext uri="{FF2B5EF4-FFF2-40B4-BE49-F238E27FC236}">
-                    <a16:creationId xmlns:a16="http://schemas.microsoft.com/office/drawing/2014/main" id="{EC048DEA-8FEB-4986-BF12-DCB702E017CE}"/>
-                  </a:ext>
-                </a:extLst>
-              </p:cNvPr>
-              <p:cNvSpPr>
-                <a:spLocks/>
-              </p:cNvSpPr>
-              <p:nvPr/>
-            </p:nvSpPr>
-            <p:spPr>
-              <a:xfrm>
-                <a:off x="1973925" y="257453"/>
-                <a:ext cx="6480000" cy="6480000"/>
-              </a:xfrm>
-              <a:prstGeom prst="triangle">
-                <a:avLst>
-                  <a:gd name="adj" fmla="val 0"/>
-                </a:avLst>
-              </a:prstGeom>
-              <a:solidFill>
-                <a:schemeClr val="accent2">
-                  <a:lumMod val="75000"/>
-                </a:schemeClr>
-              </a:solidFill>
-              <a:ln>
-                <a:noFill/>
-              </a:ln>
-            </p:spPr>
-            <p:style>
-              <a:lnRef idx="2">
-                <a:schemeClr val="accent1">
-                  <a:shade val="50000"/>
-                </a:schemeClr>
-              </a:lnRef>
-              <a:fillRef idx="1">
-                <a:schemeClr val="accent1"/>
-              </a:fillRef>
-              <a:effectRef idx="0">
-                <a:schemeClr val="accent1"/>
-              </a:effectRef>
-              <a:fontRef idx="minor">
-                <a:schemeClr val="lt1"/>
-              </a:fontRef>
-            </p:style>
-            <p:txBody>
-              <a:bodyPr rtlCol="0" anchor="ctr"/>
-              <a:lstStyle/>
-              <a:p>
-                <a:pPr algn="ctr"/>
-                <a:endParaRPr lang="es-MX"/>
-              </a:p>
-            </p:txBody>
-          </p:sp>
-          <p:sp>
-            <p:nvSpPr>
-              <p:cNvPr id="12" name="Triángulo isósceles 11">
-                <a:extLst>
-                  <a:ext uri="{FF2B5EF4-FFF2-40B4-BE49-F238E27FC236}">
-                    <a16:creationId xmlns:a16="http://schemas.microsoft.com/office/drawing/2014/main" id="{876C87BA-EDC5-496C-BC2B-7F31E1189A26}"/>
-                  </a:ext>
-                </a:extLst>
-              </p:cNvPr>
-              <p:cNvSpPr>
-                <a:spLocks noChangeAspect="1"/>
-              </p:cNvSpPr>
-              <p:nvPr/>
-            </p:nvSpPr>
-            <p:spPr>
-              <a:xfrm>
-                <a:off x="3257690" y="3333750"/>
-                <a:ext cx="2323824" cy="2323824"/>
-              </a:xfrm>
-              <a:prstGeom prst="triangle">
-                <a:avLst>
-                  <a:gd name="adj" fmla="val 0"/>
-                </a:avLst>
-              </a:prstGeom>
-              <a:solidFill>
-                <a:schemeClr val="bg1"/>
-              </a:solidFill>
-              <a:ln>
-                <a:noFill/>
-              </a:ln>
-            </p:spPr>
-            <p:style>
-              <a:lnRef idx="2">
-                <a:schemeClr val="accent1">
-                  <a:shade val="50000"/>
-                </a:schemeClr>
-              </a:lnRef>
-              <a:fillRef idx="1">
-                <a:schemeClr val="accent1"/>
-              </a:fillRef>
-              <a:effectRef idx="0">
-                <a:schemeClr val="accent1"/>
-              </a:effectRef>
-              <a:fontRef idx="minor">
-                <a:schemeClr val="lt1"/>
-              </a:fontRef>
-            </p:style>
-            <p:txBody>
-              <a:bodyPr rtlCol="0" anchor="ctr"/>
-              <a:lstStyle/>
-              <a:p>
-                <a:pPr algn="ctr"/>
-                <a:endParaRPr lang="es-MX"/>
-              </a:p>
-            </p:txBody>
-          </p:sp>
-        </p:grpSp>
-      </p:grpSp>
-    </p:spTree>
-    <p:extLst>
-      <p:ext uri="{BB962C8B-B14F-4D97-AF65-F5344CB8AC3E}">
-        <p14:creationId xmlns:p14="http://schemas.microsoft.com/office/powerpoint/2010/main" val="2409698"/>
-      </p:ext>
-    </p:extLst>
-  </p:cSld>
-  <p:clrMapOvr>
-    <a:masterClrMapping/>
-  </p:clrMapOvr>
-</p:sld>
-</file>
-
-<file path=ppt/slides/slide5.xml><?xml version="1.0" encoding="utf-8"?>
-<p:sld xmlns:a="http://schemas.openxmlformats.org/drawingml/2006/main" xmlns:r="http://schemas.openxmlformats.org/officeDocument/2006/relationships" xmlns:p="http://schemas.openxmlformats.org/presentationml/2006/main">
-  <p:cSld>
-    <p:bg>
-      <p:bgPr>
-        <a:solidFill>
-          <a:schemeClr val="tx1"/>
-        </a:solidFill>
-        <a:effectLst/>
-      </p:bgPr>
-    </p:bg>
-    <p:spTree>
-      <p:nvGrpSpPr>
-        <p:cNvPr id="1" name=""/>
-        <p:cNvGrpSpPr/>
-        <p:nvPr/>
-      </p:nvGrpSpPr>
-      <p:grpSpPr>
-        <a:xfrm>
-          <a:off x="0" y="0"/>
-          <a:ext cx="0" cy="0"/>
-          <a:chOff x="0" y="0"/>
-          <a:chExt cx="0" cy="0"/>
-        </a:xfrm>
-      </p:grpSpPr>
       <p:sp>
         <p:nvSpPr>
           <p:cNvPr id="2" name="Rectángulo: esquinas redondeadas 1">
@@ -4468,7 +5048,7 @@
           </a:xfrm>
           <a:prstGeom prst="roundRect">
             <a:avLst>
-              <a:gd name="adj" fmla="val 14830"/>
+              <a:gd name="adj" fmla="val 9386"/>
             </a:avLst>
           </a:prstGeom>
           <a:solidFill>
@@ -4503,200 +5083,177 @@
           </a:p>
         </p:txBody>
       </p:sp>
-      <p:grpSp>
-        <p:nvGrpSpPr>
-          <p:cNvPr id="9" name="Grupo 8">
-            <a:extLst>
-              <a:ext uri="{FF2B5EF4-FFF2-40B4-BE49-F238E27FC236}">
-                <a16:creationId xmlns:a16="http://schemas.microsoft.com/office/drawing/2014/main" id="{1CC6B962-6EF6-49F9-B511-E51F5E30F617}"/>
-              </a:ext>
-            </a:extLst>
-          </p:cNvPr>
-          <p:cNvGrpSpPr/>
+      <p:sp>
+        <p:nvSpPr>
+          <p:cNvPr id="10" name="Triángulo isósceles 9">
+            <a:extLst>
+              <a:ext uri="{FF2B5EF4-FFF2-40B4-BE49-F238E27FC236}">
+                <a16:creationId xmlns:a16="http://schemas.microsoft.com/office/drawing/2014/main" id="{0CE0475E-25A5-4292-93D5-F0319711F0F9}"/>
+              </a:ext>
+            </a:extLst>
+          </p:cNvPr>
+          <p:cNvSpPr>
+            <a:spLocks/>
+          </p:cNvSpPr>
           <p:nvPr/>
-        </p:nvGrpSpPr>
-        <p:grpSpPr>
+        </p:nvSpPr>
+        <p:spPr>
+          <a:xfrm rot="16200000">
+            <a:off x="4057862" y="1316126"/>
+            <a:ext cx="4140000" cy="4140000"/>
+          </a:xfrm>
+          <a:prstGeom prst="triangle">
+            <a:avLst>
+              <a:gd name="adj" fmla="val 0"/>
+            </a:avLst>
+          </a:prstGeom>
+          <a:solidFill>
+            <a:schemeClr val="accent4">
+              <a:lumMod val="60000"/>
+              <a:lumOff val="40000"/>
+            </a:schemeClr>
+          </a:solidFill>
+          <a:ln>
+            <a:noFill/>
+          </a:ln>
+        </p:spPr>
+        <p:style>
+          <a:lnRef idx="2">
+            <a:schemeClr val="accent1">
+              <a:shade val="50000"/>
+            </a:schemeClr>
+          </a:lnRef>
+          <a:fillRef idx="1">
+            <a:schemeClr val="accent1"/>
+          </a:fillRef>
+          <a:effectRef idx="0">
+            <a:schemeClr val="accent1"/>
+          </a:effectRef>
+          <a:fontRef idx="minor">
+            <a:schemeClr val="lt1"/>
+          </a:fontRef>
+        </p:style>
+        <p:txBody>
+          <a:bodyPr rtlCol="0" anchor="ctr"/>
+          <a:lstStyle/>
+          <a:p>
+            <a:pPr algn="ctr"/>
+            <a:endParaRPr lang="es-MX"/>
+          </a:p>
+        </p:txBody>
+      </p:sp>
+      <p:sp>
+        <p:nvSpPr>
+          <p:cNvPr id="11" name="Triángulo isósceles 10">
+            <a:extLst>
+              <a:ext uri="{FF2B5EF4-FFF2-40B4-BE49-F238E27FC236}">
+                <a16:creationId xmlns:a16="http://schemas.microsoft.com/office/drawing/2014/main" id="{EC048DEA-8FEB-4986-BF12-DCB702E017CE}"/>
+              </a:ext>
+            </a:extLst>
+          </p:cNvPr>
+          <p:cNvSpPr>
+            <a:spLocks/>
+          </p:cNvSpPr>
+          <p:nvPr/>
+        </p:nvSpPr>
+        <p:spPr>
           <a:xfrm>
             <a:off x="4057862" y="1316126"/>
             <a:ext cx="4140000" cy="4140000"/>
-            <a:chOff x="1973925" y="257453"/>
-            <a:chExt cx="6480000" cy="6480000"/>
           </a:xfrm>
-        </p:grpSpPr>
-        <p:sp>
-          <p:nvSpPr>
-            <p:cNvPr id="10" name="Triángulo isósceles 9">
-              <a:extLst>
-                <a:ext uri="{FF2B5EF4-FFF2-40B4-BE49-F238E27FC236}">
-                  <a16:creationId xmlns:a16="http://schemas.microsoft.com/office/drawing/2014/main" id="{0CE0475E-25A5-4292-93D5-F0319711F0F9}"/>
-                </a:ext>
-              </a:extLst>
-            </p:cNvPr>
-            <p:cNvSpPr>
-              <a:spLocks/>
-            </p:cNvSpPr>
-            <p:nvPr/>
-          </p:nvSpPr>
-          <p:spPr>
-            <a:xfrm rot="16200000">
-              <a:off x="1973925" y="257453"/>
-              <a:ext cx="6480000" cy="6480000"/>
-            </a:xfrm>
-            <a:prstGeom prst="triangle">
-              <a:avLst>
-                <a:gd name="adj" fmla="val 0"/>
-              </a:avLst>
-            </a:prstGeom>
-            <a:solidFill>
-              <a:schemeClr val="accent2">
-                <a:lumMod val="60000"/>
-                <a:lumOff val="40000"/>
-              </a:schemeClr>
-            </a:solidFill>
-            <a:ln>
-              <a:noFill/>
-            </a:ln>
-          </p:spPr>
-          <p:style>
-            <a:lnRef idx="2">
-              <a:schemeClr val="accent1">
-                <a:shade val="50000"/>
-              </a:schemeClr>
-            </a:lnRef>
-            <a:fillRef idx="1">
-              <a:schemeClr val="accent1"/>
-            </a:fillRef>
-            <a:effectRef idx="0">
-              <a:schemeClr val="accent1"/>
-            </a:effectRef>
-            <a:fontRef idx="minor">
-              <a:schemeClr val="lt1"/>
-            </a:fontRef>
-          </p:style>
-          <p:txBody>
-            <a:bodyPr rtlCol="0" anchor="ctr"/>
-            <a:lstStyle/>
-            <a:p>
-              <a:pPr algn="ctr"/>
-              <a:endParaRPr lang="es-MX"/>
-            </a:p>
-          </p:txBody>
-        </p:sp>
-        <p:sp>
-          <p:nvSpPr>
-            <p:cNvPr id="11" name="Triángulo isósceles 10">
-              <a:extLst>
-                <a:ext uri="{FF2B5EF4-FFF2-40B4-BE49-F238E27FC236}">
-                  <a16:creationId xmlns:a16="http://schemas.microsoft.com/office/drawing/2014/main" id="{EC048DEA-8FEB-4986-BF12-DCB702E017CE}"/>
-                </a:ext>
-              </a:extLst>
-            </p:cNvPr>
-            <p:cNvSpPr>
-              <a:spLocks/>
-            </p:cNvSpPr>
-            <p:nvPr/>
-          </p:nvSpPr>
-          <p:spPr>
-            <a:xfrm>
-              <a:off x="1973925" y="257453"/>
-              <a:ext cx="6480000" cy="6480000"/>
-            </a:xfrm>
-            <a:prstGeom prst="triangle">
-              <a:avLst>
-                <a:gd name="adj" fmla="val 0"/>
-              </a:avLst>
-            </a:prstGeom>
-            <a:solidFill>
-              <a:schemeClr val="accent2">
-                <a:lumMod val="75000"/>
-              </a:schemeClr>
-            </a:solidFill>
-            <a:ln>
-              <a:noFill/>
-            </a:ln>
-          </p:spPr>
-          <p:style>
-            <a:lnRef idx="2">
-              <a:schemeClr val="accent1">
-                <a:shade val="50000"/>
-              </a:schemeClr>
-            </a:lnRef>
-            <a:fillRef idx="1">
-              <a:schemeClr val="accent1"/>
-            </a:fillRef>
-            <a:effectRef idx="0">
-              <a:schemeClr val="accent1"/>
-            </a:effectRef>
-            <a:fontRef idx="minor">
-              <a:schemeClr val="lt1"/>
-            </a:fontRef>
-          </p:style>
-          <p:txBody>
-            <a:bodyPr rtlCol="0" anchor="ctr"/>
-            <a:lstStyle/>
-            <a:p>
-              <a:pPr algn="ctr"/>
-              <a:endParaRPr lang="es-MX"/>
-            </a:p>
-          </p:txBody>
-        </p:sp>
-        <p:sp>
-          <p:nvSpPr>
-            <p:cNvPr id="12" name="Triángulo isósceles 11">
-              <a:extLst>
-                <a:ext uri="{FF2B5EF4-FFF2-40B4-BE49-F238E27FC236}">
-                  <a16:creationId xmlns:a16="http://schemas.microsoft.com/office/drawing/2014/main" id="{876C87BA-EDC5-496C-BC2B-7F31E1189A26}"/>
-                </a:ext>
-              </a:extLst>
-            </p:cNvPr>
-            <p:cNvSpPr>
-              <a:spLocks noChangeAspect="1"/>
-            </p:cNvSpPr>
-            <p:nvPr/>
-          </p:nvSpPr>
-          <p:spPr>
-            <a:xfrm>
-              <a:off x="3257690" y="3333750"/>
-              <a:ext cx="2323824" cy="2323824"/>
-            </a:xfrm>
-            <a:prstGeom prst="triangle">
-              <a:avLst>
-                <a:gd name="adj" fmla="val 0"/>
-              </a:avLst>
-            </a:prstGeom>
-            <a:solidFill>
-              <a:schemeClr val="bg1"/>
-            </a:solidFill>
-            <a:ln>
-              <a:noFill/>
-            </a:ln>
-          </p:spPr>
-          <p:style>
-            <a:lnRef idx="2">
-              <a:schemeClr val="accent1">
-                <a:shade val="50000"/>
-              </a:schemeClr>
-            </a:lnRef>
-            <a:fillRef idx="1">
-              <a:schemeClr val="accent1"/>
-            </a:fillRef>
-            <a:effectRef idx="0">
-              <a:schemeClr val="accent1"/>
-            </a:effectRef>
-            <a:fontRef idx="minor">
-              <a:schemeClr val="lt1"/>
-            </a:fontRef>
-          </p:style>
-          <p:txBody>
-            <a:bodyPr rtlCol="0" anchor="ctr"/>
-            <a:lstStyle/>
-            <a:p>
-              <a:pPr algn="ctr"/>
-              <a:endParaRPr lang="es-MX"/>
-            </a:p>
-          </p:txBody>
-        </p:sp>
-      </p:grpSp>
+          <a:prstGeom prst="triangle">
+            <a:avLst>
+              <a:gd name="adj" fmla="val 0"/>
+            </a:avLst>
+          </a:prstGeom>
+          <a:solidFill>
+            <a:srgbClr val="BF9000"/>
+          </a:solidFill>
+          <a:ln>
+            <a:noFill/>
+          </a:ln>
+        </p:spPr>
+        <p:style>
+          <a:lnRef idx="2">
+            <a:schemeClr val="accent1">
+              <a:shade val="50000"/>
+            </a:schemeClr>
+          </a:lnRef>
+          <a:fillRef idx="1">
+            <a:schemeClr val="accent1"/>
+          </a:fillRef>
+          <a:effectRef idx="0">
+            <a:schemeClr val="accent1"/>
+          </a:effectRef>
+          <a:fontRef idx="minor">
+            <a:schemeClr val="lt1"/>
+          </a:fontRef>
+        </p:style>
+        <p:txBody>
+          <a:bodyPr rtlCol="0" anchor="ctr"/>
+          <a:lstStyle/>
+          <a:p>
+            <a:pPr algn="ctr"/>
+            <a:endParaRPr lang="es-MX"/>
+          </a:p>
+        </p:txBody>
+      </p:sp>
+      <p:sp>
+        <p:nvSpPr>
+          <p:cNvPr id="12" name="Triángulo isósceles 11">
+            <a:extLst>
+              <a:ext uri="{FF2B5EF4-FFF2-40B4-BE49-F238E27FC236}">
+                <a16:creationId xmlns:a16="http://schemas.microsoft.com/office/drawing/2014/main" id="{876C87BA-EDC5-496C-BC2B-7F31E1189A26}"/>
+              </a:ext>
+            </a:extLst>
+          </p:cNvPr>
+          <p:cNvSpPr>
+            <a:spLocks noChangeAspect="1"/>
+          </p:cNvSpPr>
+          <p:nvPr/>
+        </p:nvSpPr>
+        <p:spPr>
+          <a:xfrm>
+            <a:off x="4878045" y="3281538"/>
+            <a:ext cx="1484665" cy="1484665"/>
+          </a:xfrm>
+          <a:prstGeom prst="triangle">
+            <a:avLst>
+              <a:gd name="adj" fmla="val 0"/>
+            </a:avLst>
+          </a:prstGeom>
+          <a:solidFill>
+            <a:schemeClr val="bg1"/>
+          </a:solidFill>
+          <a:ln>
+            <a:noFill/>
+          </a:ln>
+        </p:spPr>
+        <p:style>
+          <a:lnRef idx="2">
+            <a:schemeClr val="accent1">
+              <a:shade val="50000"/>
+            </a:schemeClr>
+          </a:lnRef>
+          <a:fillRef idx="1">
+            <a:schemeClr val="accent1"/>
+          </a:fillRef>
+          <a:effectRef idx="0">
+            <a:schemeClr val="accent1"/>
+          </a:effectRef>
+          <a:fontRef idx="minor">
+            <a:schemeClr val="lt1"/>
+          </a:fontRef>
+        </p:style>
+        <p:txBody>
+          <a:bodyPr rtlCol="0" anchor="ctr"/>
+          <a:lstStyle/>
+          <a:p>
+            <a:pPr algn="ctr"/>
+            <a:endParaRPr lang="es-MX"/>
+          </a:p>
+        </p:txBody>
+      </p:sp>
     </p:spTree>
     <p:extLst>
       <p:ext uri="{BB962C8B-B14F-4D97-AF65-F5344CB8AC3E}">
